--- a/graduate_1_1/2015-11-17_Locality-Driven Dynamic GPU Cache Bypassing/Locality-Driven Dynamic GPU Cache Bypassing.pptx
+++ b/graduate_1_1/2015-11-17_Locality-Driven Dynamic GPU Cache Bypassing/Locality-Driven Dynamic GPU Cache Bypassing.pptx
@@ -23,13 +23,13 @@
     <p:sldId id="307" r:id="rId17"/>
     <p:sldId id="306" r:id="rId18"/>
     <p:sldId id="311" r:id="rId19"/>
-    <p:sldId id="308" r:id="rId20"/>
-    <p:sldId id="309" r:id="rId21"/>
-    <p:sldId id="310" r:id="rId22"/>
-    <p:sldId id="312" r:id="rId23"/>
-    <p:sldId id="313" r:id="rId24"/>
-    <p:sldId id="314" r:id="rId25"/>
-    <p:sldId id="315" r:id="rId26"/>
+    <p:sldId id="316" r:id="rId20"/>
+    <p:sldId id="308" r:id="rId21"/>
+    <p:sldId id="312" r:id="rId22"/>
+    <p:sldId id="313" r:id="rId23"/>
+    <p:sldId id="314" r:id="rId24"/>
+    <p:sldId id="315" r:id="rId25"/>
+    <p:sldId id="317" r:id="rId26"/>
     <p:sldId id="279" r:id="rId27"/>
   </p:sldIdLst>
   <p:sldSz cx="12192000" cy="6858000"/>
@@ -7741,12 +7741,12 @@
           <a:lstStyle/>
           <a:p>
             <a:r>
-              <a:rPr lang="zh-CN" altLang="en-US" dirty="0"/>
-              <a:t>杨伟</a:t>
-            </a:r>
-            <a:r>
-              <a:rPr lang="zh-CN" altLang="en-US" dirty="0" smtClean="0"/>
-              <a:t>光</a:t>
+              <a:rPr lang="en-US" altLang="zh-CN" dirty="0" err="1" smtClean="0"/>
+              <a:t>Weiguang</a:t>
+            </a:r>
+            <a:r>
+              <a:rPr lang="en-US" altLang="zh-CN" dirty="0" smtClean="0"/>
+              <a:t> Yang</a:t>
             </a:r>
             <a:endParaRPr lang="en-US" altLang="zh-CN" dirty="0"/>
           </a:p>
@@ -20383,31 +20383,1040 @@
           </a:p>
         </p:txBody>
       </p:sp>
+      <p:cxnSp>
+        <p:nvCxnSpPr>
+          <p:cNvPr id="6" name="直接连接符 5"/>
+          <p:cNvCxnSpPr/>
+          <p:nvPr/>
+        </p:nvCxnSpPr>
+        <p:spPr>
+          <a:xfrm>
+            <a:off x="6096000" y="981075"/>
+            <a:ext cx="0" cy="3123334"/>
+          </a:xfrm>
+          <a:prstGeom prst="line">
+            <a:avLst/>
+          </a:prstGeom>
+        </p:spPr>
+        <p:style>
+          <a:lnRef idx="3">
+            <a:schemeClr val="dk1"/>
+          </a:lnRef>
+          <a:fillRef idx="0">
+            <a:schemeClr val="dk1"/>
+          </a:fillRef>
+          <a:effectRef idx="2">
+            <a:schemeClr val="dk1"/>
+          </a:effectRef>
+          <a:fontRef idx="minor">
+            <a:schemeClr val="tx1"/>
+          </a:fontRef>
+        </p:style>
+      </p:cxnSp>
       <p:sp>
         <p:nvSpPr>
-          <p:cNvPr id="3" name="文本占位符 2"/>
-          <p:cNvSpPr>
-            <a:spLocks noGrp="1"/>
-          </p:cNvSpPr>
-          <p:nvPr>
-            <p:ph type="body" idx="1"/>
-          </p:nvPr>
+          <p:cNvPr id="7" name="矩形 6"/>
+          <p:cNvSpPr/>
+          <p:nvPr/>
         </p:nvSpPr>
-        <p:spPr/>
+        <p:spPr>
+          <a:xfrm>
+            <a:off x="1267692" y="1323975"/>
+            <a:ext cx="2743200" cy="463261"/>
+          </a:xfrm>
+          <a:prstGeom prst="rect">
+            <a:avLst/>
+          </a:prstGeom>
+          <a:noFill/>
+          <a:ln>
+            <a:noFill/>
+          </a:ln>
+        </p:spPr>
+        <p:style>
+          <a:lnRef idx="2">
+            <a:schemeClr val="accent1">
+              <a:shade val="50000"/>
+            </a:schemeClr>
+          </a:lnRef>
+          <a:fillRef idx="1">
+            <a:schemeClr val="accent1"/>
+          </a:fillRef>
+          <a:effectRef idx="0">
+            <a:schemeClr val="accent1"/>
+          </a:effectRef>
+          <a:fontRef idx="minor">
+            <a:schemeClr val="lt1"/>
+          </a:fontRef>
+        </p:style>
         <p:txBody>
-          <a:bodyPr/>
+          <a:bodyPr rtlCol="0" anchor="ctr"/>
           <a:lstStyle/>
           <a:p>
-            <a:r>
-              <a:rPr lang="en-US" altLang="zh-CN" sz="1800" b="1" dirty="0" smtClean="0">
+            <a:pPr algn="ctr"/>
+            <a:r>
+              <a:rPr lang="en-US" altLang="zh-CN" b="1" dirty="0" smtClean="0">
+                <a:solidFill>
+                  <a:schemeClr val="tx1"/>
+                </a:solidFill>
                 <a:latin typeface="Times New Roman" panose="02020603050405020304" pitchFamily="18" charset="0"/>
                 <a:cs typeface="Times New Roman" panose="02020603050405020304" pitchFamily="18" charset="0"/>
               </a:rPr>
-              <a:t>Decoupled L1D : Structure</a:t>
-            </a:r>
+              <a:t>Normal Cache</a:t>
+            </a:r>
+            <a:endParaRPr lang="zh-CN" altLang="en-US" b="1" dirty="0">
+              <a:solidFill>
+                <a:schemeClr val="tx1"/>
+              </a:solidFill>
+              <a:latin typeface="Times New Roman" panose="02020603050405020304" pitchFamily="18" charset="0"/>
+              <a:cs typeface="Times New Roman" panose="02020603050405020304" pitchFamily="18" charset="0"/>
+            </a:endParaRPr>
+          </a:p>
+        </p:txBody>
+      </p:sp>
+      <p:sp>
+        <p:nvSpPr>
+          <p:cNvPr id="8" name="矩形 7"/>
+          <p:cNvSpPr/>
+          <p:nvPr/>
+        </p:nvSpPr>
+        <p:spPr>
+          <a:xfrm>
+            <a:off x="7065817" y="1323975"/>
+            <a:ext cx="3439391" cy="463261"/>
+          </a:xfrm>
+          <a:prstGeom prst="rect">
+            <a:avLst/>
+          </a:prstGeom>
+          <a:noFill/>
+          <a:ln>
+            <a:noFill/>
+          </a:ln>
+        </p:spPr>
+        <p:style>
+          <a:lnRef idx="2">
+            <a:schemeClr val="accent1">
+              <a:shade val="50000"/>
+            </a:schemeClr>
+          </a:lnRef>
+          <a:fillRef idx="1">
+            <a:schemeClr val="accent1"/>
+          </a:fillRef>
+          <a:effectRef idx="0">
+            <a:schemeClr val="accent1"/>
+          </a:effectRef>
+          <a:fontRef idx="minor">
+            <a:schemeClr val="lt1"/>
+          </a:fontRef>
+        </p:style>
+        <p:txBody>
+          <a:bodyPr rtlCol="0" anchor="ctr"/>
+          <a:lstStyle/>
+          <a:p>
+            <a:pPr algn="ctr"/>
+            <a:r>
+              <a:rPr lang="en-US" altLang="zh-CN" b="1" dirty="0">
+                <a:solidFill>
+                  <a:schemeClr val="tx1"/>
+                </a:solidFill>
+                <a:latin typeface="Times New Roman" panose="02020603050405020304" pitchFamily="18" charset="0"/>
+                <a:cs typeface="Times New Roman" panose="02020603050405020304" pitchFamily="18" charset="0"/>
+              </a:rPr>
+              <a:t>Decoupled L1D : </a:t>
+            </a:r>
+            <a:r>
+              <a:rPr lang="en-US" altLang="zh-CN" b="1" dirty="0" smtClean="0">
+                <a:solidFill>
+                  <a:schemeClr val="tx1"/>
+                </a:solidFill>
+                <a:latin typeface="Times New Roman" panose="02020603050405020304" pitchFamily="18" charset="0"/>
+                <a:cs typeface="Times New Roman" panose="02020603050405020304" pitchFamily="18" charset="0"/>
+              </a:rPr>
+              <a:t>Structure</a:t>
+            </a:r>
+            <a:endParaRPr lang="en-US" altLang="zh-CN" b="1" dirty="0">
+              <a:solidFill>
+                <a:schemeClr val="tx1"/>
+              </a:solidFill>
+              <a:latin typeface="Times New Roman" panose="02020603050405020304" pitchFamily="18" charset="0"/>
+              <a:cs typeface="Times New Roman" panose="02020603050405020304" pitchFamily="18" charset="0"/>
+            </a:endParaRPr>
+          </a:p>
+        </p:txBody>
+      </p:sp>
+      <p:graphicFrame>
+        <p:nvGraphicFramePr>
+          <p:cNvPr id="10" name="表格 9"/>
+          <p:cNvGraphicFramePr>
+            <a:graphicFrameLocks noGrp="1"/>
+          </p:cNvGraphicFramePr>
+          <p:nvPr>
+            <p:extLst>
+              <p:ext uri="{D42A27DB-BD31-4B8C-83A1-F6EECF244321}">
+                <p14:modId xmlns:p14="http://schemas.microsoft.com/office/powerpoint/2010/main" val="1714144217"/>
+              </p:ext>
+            </p:extLst>
+          </p:nvPr>
+        </p:nvGraphicFramePr>
+        <p:xfrm>
+          <a:off x="609600" y="3088793"/>
+          <a:ext cx="5063836" cy="370840"/>
+        </p:xfrm>
+        <a:graphic>
+          <a:graphicData uri="http://schemas.openxmlformats.org/drawingml/2006/table">
+            <a:tbl>
+              <a:tblPr firstRow="1" bandRow="1">
+                <a:effectLst/>
+                <a:tableStyleId>{5C22544A-7EE6-4342-B048-85BDC9FD1C3A}</a:tableStyleId>
+              </a:tblPr>
+              <a:tblGrid>
+                <a:gridCol w="2445327"/>
+                <a:gridCol w="935182"/>
+                <a:gridCol w="1683327"/>
+              </a:tblGrid>
+              <a:tr h="370840">
+                <a:tc>
+                  <a:txBody>
+                    <a:bodyPr/>
+                    <a:lstStyle/>
+                    <a:p>
+                      <a:pPr algn="ctr"/>
+                      <a:r>
+                        <a:rPr lang="en-US" altLang="zh-CN" dirty="0" smtClean="0">
+                          <a:solidFill>
+                            <a:sysClr val="windowText" lastClr="000000"/>
+                          </a:solidFill>
+                          <a:latin typeface="Times New Roman" panose="02020603050405020304" pitchFamily="18" charset="0"/>
+                          <a:cs typeface="Times New Roman" panose="02020603050405020304" pitchFamily="18" charset="0"/>
+                        </a:rPr>
+                        <a:t>Tag</a:t>
+                      </a:r>
+                      <a:endParaRPr lang="zh-CN" altLang="en-US" dirty="0">
+                        <a:solidFill>
+                          <a:sysClr val="windowText" lastClr="000000"/>
+                        </a:solidFill>
+                        <a:latin typeface="Times New Roman" panose="02020603050405020304" pitchFamily="18" charset="0"/>
+                        <a:cs typeface="Times New Roman" panose="02020603050405020304" pitchFamily="18" charset="0"/>
+                      </a:endParaRPr>
+                    </a:p>
+                  </a:txBody>
+                  <a:tcPr>
+                    <a:lnL w="19050" cap="flat" cmpd="sng" algn="ctr">
+                      <a:solidFill>
+                        <a:schemeClr val="tx1"/>
+                      </a:solidFill>
+                      <a:prstDash val="solid"/>
+                      <a:round/>
+                      <a:headEnd type="none" w="med" len="med"/>
+                      <a:tailEnd type="none" w="med" len="med"/>
+                    </a:lnL>
+                    <a:lnR w="19050" cap="flat" cmpd="sng" algn="ctr">
+                      <a:solidFill>
+                        <a:schemeClr val="tx1"/>
+                      </a:solidFill>
+                      <a:prstDash val="solid"/>
+                      <a:round/>
+                      <a:headEnd type="none" w="med" len="med"/>
+                      <a:tailEnd type="none" w="med" len="med"/>
+                    </a:lnR>
+                    <a:lnT w="19050" cap="flat" cmpd="sng" algn="ctr">
+                      <a:solidFill>
+                        <a:schemeClr val="tx1"/>
+                      </a:solidFill>
+                      <a:prstDash val="solid"/>
+                      <a:round/>
+                      <a:headEnd type="none" w="med" len="med"/>
+                      <a:tailEnd type="none" w="med" len="med"/>
+                    </a:lnT>
+                    <a:lnB w="19050" cap="flat" cmpd="sng" algn="ctr">
+                      <a:solidFill>
+                        <a:schemeClr val="tx1"/>
+                      </a:solidFill>
+                      <a:prstDash val="solid"/>
+                      <a:round/>
+                      <a:headEnd type="none" w="med" len="med"/>
+                      <a:tailEnd type="none" w="med" len="med"/>
+                    </a:lnB>
+                    <a:solidFill>
+                      <a:srgbClr val="00B050"/>
+                    </a:solidFill>
+                  </a:tcPr>
+                </a:tc>
+                <a:tc>
+                  <a:txBody>
+                    <a:bodyPr/>
+                    <a:lstStyle/>
+                    <a:p>
+                      <a:pPr algn="ctr"/>
+                      <a:r>
+                        <a:rPr lang="en-US" altLang="zh-CN" dirty="0" smtClean="0">
+                          <a:solidFill>
+                            <a:sysClr val="windowText" lastClr="000000"/>
+                          </a:solidFill>
+                          <a:latin typeface="Times New Roman" panose="02020603050405020304" pitchFamily="18" charset="0"/>
+                          <a:cs typeface="Times New Roman" panose="02020603050405020304" pitchFamily="18" charset="0"/>
+                        </a:rPr>
+                        <a:t>Status</a:t>
+                      </a:r>
+                      <a:endParaRPr lang="zh-CN" altLang="en-US" dirty="0">
+                        <a:solidFill>
+                          <a:sysClr val="windowText" lastClr="000000"/>
+                        </a:solidFill>
+                        <a:latin typeface="Times New Roman" panose="02020603050405020304" pitchFamily="18" charset="0"/>
+                        <a:cs typeface="Times New Roman" panose="02020603050405020304" pitchFamily="18" charset="0"/>
+                      </a:endParaRPr>
+                    </a:p>
+                  </a:txBody>
+                  <a:tcPr>
+                    <a:lnL w="19050" cap="flat" cmpd="sng" algn="ctr">
+                      <a:solidFill>
+                        <a:schemeClr val="tx1"/>
+                      </a:solidFill>
+                      <a:prstDash val="solid"/>
+                      <a:round/>
+                      <a:headEnd type="none" w="med" len="med"/>
+                      <a:tailEnd type="none" w="med" len="med"/>
+                    </a:lnL>
+                    <a:lnR w="19050" cap="flat" cmpd="sng" algn="ctr">
+                      <a:solidFill>
+                        <a:schemeClr val="tx1"/>
+                      </a:solidFill>
+                      <a:prstDash val="solid"/>
+                      <a:round/>
+                      <a:headEnd type="none" w="med" len="med"/>
+                      <a:tailEnd type="none" w="med" len="med"/>
+                    </a:lnR>
+                    <a:lnT w="19050" cap="flat" cmpd="sng" algn="ctr">
+                      <a:solidFill>
+                        <a:schemeClr val="tx1"/>
+                      </a:solidFill>
+                      <a:prstDash val="solid"/>
+                      <a:round/>
+                      <a:headEnd type="none" w="med" len="med"/>
+                      <a:tailEnd type="none" w="med" len="med"/>
+                    </a:lnT>
+                    <a:lnB w="19050" cap="flat" cmpd="sng" algn="ctr">
+                      <a:solidFill>
+                        <a:schemeClr val="tx1"/>
+                      </a:solidFill>
+                      <a:prstDash val="solid"/>
+                      <a:round/>
+                      <a:headEnd type="none" w="med" len="med"/>
+                      <a:tailEnd type="none" w="med" len="med"/>
+                    </a:lnB>
+                    <a:solidFill>
+                      <a:srgbClr val="FFFF00"/>
+                    </a:solidFill>
+                  </a:tcPr>
+                </a:tc>
+                <a:tc>
+                  <a:txBody>
+                    <a:bodyPr/>
+                    <a:lstStyle/>
+                    <a:p>
+                      <a:pPr algn="ctr"/>
+                      <a:r>
+                        <a:rPr lang="en-US" altLang="zh-CN" dirty="0" smtClean="0">
+                          <a:solidFill>
+                            <a:sysClr val="windowText" lastClr="000000"/>
+                          </a:solidFill>
+                          <a:latin typeface="Times New Roman" panose="02020603050405020304" pitchFamily="18" charset="0"/>
+                          <a:cs typeface="Times New Roman" panose="02020603050405020304" pitchFamily="18" charset="0"/>
+                        </a:rPr>
+                        <a:t>LRU counter</a:t>
+                      </a:r>
+                      <a:endParaRPr lang="zh-CN" altLang="en-US" dirty="0">
+                        <a:solidFill>
+                          <a:sysClr val="windowText" lastClr="000000"/>
+                        </a:solidFill>
+                        <a:latin typeface="Times New Roman" panose="02020603050405020304" pitchFamily="18" charset="0"/>
+                        <a:cs typeface="Times New Roman" panose="02020603050405020304" pitchFamily="18" charset="0"/>
+                      </a:endParaRPr>
+                    </a:p>
+                  </a:txBody>
+                  <a:tcPr>
+                    <a:lnL w="19050" cap="flat" cmpd="sng" algn="ctr">
+                      <a:solidFill>
+                        <a:schemeClr val="tx1"/>
+                      </a:solidFill>
+                      <a:prstDash val="solid"/>
+                      <a:round/>
+                      <a:headEnd type="none" w="med" len="med"/>
+                      <a:tailEnd type="none" w="med" len="med"/>
+                    </a:lnL>
+                    <a:lnR w="19050" cap="flat" cmpd="sng" algn="ctr">
+                      <a:solidFill>
+                        <a:schemeClr val="tx1"/>
+                      </a:solidFill>
+                      <a:prstDash val="solid"/>
+                      <a:round/>
+                      <a:headEnd type="none" w="med" len="med"/>
+                      <a:tailEnd type="none" w="med" len="med"/>
+                    </a:lnR>
+                    <a:lnT w="19050" cap="flat" cmpd="sng" algn="ctr">
+                      <a:solidFill>
+                        <a:schemeClr val="tx1"/>
+                      </a:solidFill>
+                      <a:prstDash val="solid"/>
+                      <a:round/>
+                      <a:headEnd type="none" w="med" len="med"/>
+                      <a:tailEnd type="none" w="med" len="med"/>
+                    </a:lnT>
+                    <a:lnB w="19050" cap="flat" cmpd="sng" algn="ctr">
+                      <a:solidFill>
+                        <a:schemeClr val="tx1"/>
+                      </a:solidFill>
+                      <a:prstDash val="solid"/>
+                      <a:round/>
+                      <a:headEnd type="none" w="med" len="med"/>
+                      <a:tailEnd type="none" w="med" len="med"/>
+                    </a:lnB>
+                    <a:noFill/>
+                  </a:tcPr>
+                </a:tc>
+              </a:tr>
+            </a:tbl>
+          </a:graphicData>
+        </a:graphic>
+      </p:graphicFrame>
+      <p:graphicFrame>
+        <p:nvGraphicFramePr>
+          <p:cNvPr id="11" name="表格 10"/>
+          <p:cNvGraphicFramePr>
+            <a:graphicFrameLocks noGrp="1"/>
+          </p:cNvGraphicFramePr>
+          <p:nvPr>
+            <p:extLst>
+              <p:ext uri="{D42A27DB-BD31-4B8C-83A1-F6EECF244321}">
+                <p14:modId xmlns:p14="http://schemas.microsoft.com/office/powerpoint/2010/main" val="1695756858"/>
+              </p:ext>
+            </p:extLst>
+          </p:nvPr>
+        </p:nvGraphicFramePr>
+        <p:xfrm>
+          <a:off x="6355773" y="2232157"/>
+          <a:ext cx="5063836" cy="370840"/>
+        </p:xfrm>
+        <a:graphic>
+          <a:graphicData uri="http://schemas.openxmlformats.org/drawingml/2006/table">
+            <a:tbl>
+              <a:tblPr firstRow="1" bandRow="1">
+                <a:effectLst/>
+                <a:tableStyleId>{5C22544A-7EE6-4342-B048-85BDC9FD1C3A}</a:tableStyleId>
+              </a:tblPr>
+              <a:tblGrid>
+                <a:gridCol w="1835251"/>
+                <a:gridCol w="1077667"/>
+                <a:gridCol w="887559"/>
+                <a:gridCol w="1263359"/>
+              </a:tblGrid>
+              <a:tr h="370840">
+                <a:tc>
+                  <a:txBody>
+                    <a:bodyPr/>
+                    <a:lstStyle/>
+                    <a:p>
+                      <a:pPr algn="ctr"/>
+                      <a:r>
+                        <a:rPr lang="en-US" altLang="zh-CN" dirty="0" smtClean="0">
+                          <a:solidFill>
+                            <a:sysClr val="windowText" lastClr="000000"/>
+                          </a:solidFill>
+                          <a:latin typeface="Times New Roman" panose="02020603050405020304" pitchFamily="18" charset="0"/>
+                          <a:cs typeface="Times New Roman" panose="02020603050405020304" pitchFamily="18" charset="0"/>
+                        </a:rPr>
+                        <a:t>Tag</a:t>
+                      </a:r>
+                      <a:endParaRPr lang="zh-CN" altLang="en-US" dirty="0">
+                        <a:solidFill>
+                          <a:sysClr val="windowText" lastClr="000000"/>
+                        </a:solidFill>
+                        <a:latin typeface="Times New Roman" panose="02020603050405020304" pitchFamily="18" charset="0"/>
+                        <a:cs typeface="Times New Roman" panose="02020603050405020304" pitchFamily="18" charset="0"/>
+                      </a:endParaRPr>
+                    </a:p>
+                  </a:txBody>
+                  <a:tcPr>
+                    <a:lnL w="19050" cap="flat" cmpd="sng" algn="ctr">
+                      <a:solidFill>
+                        <a:schemeClr val="tx1"/>
+                      </a:solidFill>
+                      <a:prstDash val="solid"/>
+                      <a:round/>
+                      <a:headEnd type="none" w="med" len="med"/>
+                      <a:tailEnd type="none" w="med" len="med"/>
+                    </a:lnL>
+                    <a:lnR w="19050" cap="flat" cmpd="sng" algn="ctr">
+                      <a:solidFill>
+                        <a:schemeClr val="tx1"/>
+                      </a:solidFill>
+                      <a:prstDash val="solid"/>
+                      <a:round/>
+                      <a:headEnd type="none" w="med" len="med"/>
+                      <a:tailEnd type="none" w="med" len="med"/>
+                    </a:lnR>
+                    <a:lnT w="19050" cap="flat" cmpd="sng" algn="ctr">
+                      <a:solidFill>
+                        <a:schemeClr val="tx1"/>
+                      </a:solidFill>
+                      <a:prstDash val="solid"/>
+                      <a:round/>
+                      <a:headEnd type="none" w="med" len="med"/>
+                      <a:tailEnd type="none" w="med" len="med"/>
+                    </a:lnT>
+                    <a:lnB w="19050" cap="flat" cmpd="sng" algn="ctr">
+                      <a:solidFill>
+                        <a:schemeClr val="tx1"/>
+                      </a:solidFill>
+                      <a:prstDash val="solid"/>
+                      <a:round/>
+                      <a:headEnd type="none" w="med" len="med"/>
+                      <a:tailEnd type="none" w="med" len="med"/>
+                    </a:lnB>
+                    <a:solidFill>
+                      <a:srgbClr val="00B050"/>
+                    </a:solidFill>
+                  </a:tcPr>
+                </a:tc>
+                <a:tc>
+                  <a:txBody>
+                    <a:bodyPr/>
+                    <a:lstStyle/>
+                    <a:p>
+                      <a:pPr algn="ctr"/>
+                      <a:r>
+                        <a:rPr lang="en-US" altLang="zh-CN" dirty="0" smtClean="0">
+                          <a:solidFill>
+                            <a:sysClr val="windowText" lastClr="000000"/>
+                          </a:solidFill>
+                          <a:latin typeface="Times New Roman" panose="02020603050405020304" pitchFamily="18" charset="0"/>
+                          <a:cs typeface="Times New Roman" panose="02020603050405020304" pitchFamily="18" charset="0"/>
+                        </a:rPr>
+                        <a:t>Status</a:t>
+                      </a:r>
+                      <a:endParaRPr lang="zh-CN" altLang="en-US" dirty="0">
+                        <a:solidFill>
+                          <a:sysClr val="windowText" lastClr="000000"/>
+                        </a:solidFill>
+                        <a:latin typeface="Times New Roman" panose="02020603050405020304" pitchFamily="18" charset="0"/>
+                        <a:cs typeface="Times New Roman" panose="02020603050405020304" pitchFamily="18" charset="0"/>
+                      </a:endParaRPr>
+                    </a:p>
+                  </a:txBody>
+                  <a:tcPr>
+                    <a:lnL w="19050" cap="flat" cmpd="sng" algn="ctr">
+                      <a:solidFill>
+                        <a:schemeClr val="tx1"/>
+                      </a:solidFill>
+                      <a:prstDash val="solid"/>
+                      <a:round/>
+                      <a:headEnd type="none" w="med" len="med"/>
+                      <a:tailEnd type="none" w="med" len="med"/>
+                    </a:lnL>
+                    <a:lnR w="19050" cap="flat" cmpd="sng" algn="ctr">
+                      <a:solidFill>
+                        <a:schemeClr val="tx1"/>
+                      </a:solidFill>
+                      <a:prstDash val="solid"/>
+                      <a:round/>
+                      <a:headEnd type="none" w="med" len="med"/>
+                      <a:tailEnd type="none" w="med" len="med"/>
+                    </a:lnR>
+                    <a:lnT w="19050" cap="flat" cmpd="sng" algn="ctr">
+                      <a:solidFill>
+                        <a:schemeClr val="tx1"/>
+                      </a:solidFill>
+                      <a:prstDash val="solid"/>
+                      <a:round/>
+                      <a:headEnd type="none" w="med" len="med"/>
+                      <a:tailEnd type="none" w="med" len="med"/>
+                    </a:lnT>
+                    <a:lnB w="19050" cap="flat" cmpd="sng" algn="ctr">
+                      <a:solidFill>
+                        <a:schemeClr val="tx1"/>
+                      </a:solidFill>
+                      <a:prstDash val="solid"/>
+                      <a:round/>
+                      <a:headEnd type="none" w="med" len="med"/>
+                      <a:tailEnd type="none" w="med" len="med"/>
+                    </a:lnB>
+                    <a:solidFill>
+                      <a:srgbClr val="FFFF00"/>
+                    </a:solidFill>
+                  </a:tcPr>
+                </a:tc>
+                <a:tc>
+                  <a:txBody>
+                    <a:bodyPr/>
+                    <a:lstStyle/>
+                    <a:p>
+                      <a:pPr algn="ctr"/>
+                      <a:r>
+                        <a:rPr lang="en-US" altLang="zh-CN" dirty="0" smtClean="0">
+                          <a:solidFill>
+                            <a:schemeClr val="bg1"/>
+                          </a:solidFill>
+                          <a:latin typeface="Times New Roman" panose="02020603050405020304" pitchFamily="18" charset="0"/>
+                          <a:cs typeface="Times New Roman" panose="02020603050405020304" pitchFamily="18" charset="0"/>
+                        </a:rPr>
+                        <a:t>RC</a:t>
+                      </a:r>
+                      <a:endParaRPr lang="zh-CN" altLang="en-US" dirty="0">
+                        <a:solidFill>
+                          <a:schemeClr val="bg1"/>
+                        </a:solidFill>
+                        <a:latin typeface="Times New Roman" panose="02020603050405020304" pitchFamily="18" charset="0"/>
+                        <a:cs typeface="Times New Roman" panose="02020603050405020304" pitchFamily="18" charset="0"/>
+                      </a:endParaRPr>
+                    </a:p>
+                  </a:txBody>
+                  <a:tcPr>
+                    <a:lnL w="19050" cap="flat" cmpd="sng" algn="ctr">
+                      <a:solidFill>
+                        <a:schemeClr val="tx1"/>
+                      </a:solidFill>
+                      <a:prstDash val="solid"/>
+                      <a:round/>
+                      <a:headEnd type="none" w="med" len="med"/>
+                      <a:tailEnd type="none" w="med" len="med"/>
+                    </a:lnL>
+                    <a:lnR w="19050" cap="flat" cmpd="sng" algn="ctr">
+                      <a:solidFill>
+                        <a:schemeClr val="tx1"/>
+                      </a:solidFill>
+                      <a:prstDash val="solid"/>
+                      <a:round/>
+                      <a:headEnd type="none" w="med" len="med"/>
+                      <a:tailEnd type="none" w="med" len="med"/>
+                    </a:lnR>
+                    <a:lnT w="19050" cap="flat" cmpd="sng" algn="ctr">
+                      <a:solidFill>
+                        <a:schemeClr val="tx1"/>
+                      </a:solidFill>
+                      <a:prstDash val="solid"/>
+                      <a:round/>
+                      <a:headEnd type="none" w="med" len="med"/>
+                      <a:tailEnd type="none" w="med" len="med"/>
+                    </a:lnT>
+                    <a:lnB w="19050" cap="flat" cmpd="sng" algn="ctr">
+                      <a:solidFill>
+                        <a:schemeClr val="tx1"/>
+                      </a:solidFill>
+                      <a:prstDash val="solid"/>
+                      <a:round/>
+                      <a:headEnd type="none" w="med" len="med"/>
+                      <a:tailEnd type="none" w="med" len="med"/>
+                    </a:lnB>
+                    <a:solidFill>
+                      <a:srgbClr val="7030A0"/>
+                    </a:solidFill>
+                  </a:tcPr>
+                </a:tc>
+                <a:tc>
+                  <a:txBody>
+                    <a:bodyPr/>
+                    <a:lstStyle/>
+                    <a:p>
+                      <a:pPr algn="ctr"/>
+                      <a:r>
+                        <a:rPr lang="en-US" altLang="zh-CN" dirty="0" smtClean="0">
+                          <a:solidFill>
+                            <a:schemeClr val="bg1"/>
+                          </a:solidFill>
+                          <a:latin typeface="Times New Roman" panose="02020603050405020304" pitchFamily="18" charset="0"/>
+                          <a:cs typeface="Times New Roman" panose="02020603050405020304" pitchFamily="18" charset="0"/>
+                        </a:rPr>
+                        <a:t>Position</a:t>
+                      </a:r>
+                      <a:endParaRPr lang="zh-CN" altLang="en-US" dirty="0">
+                        <a:solidFill>
+                          <a:schemeClr val="bg1"/>
+                        </a:solidFill>
+                        <a:latin typeface="Times New Roman" panose="02020603050405020304" pitchFamily="18" charset="0"/>
+                        <a:cs typeface="Times New Roman" panose="02020603050405020304" pitchFamily="18" charset="0"/>
+                      </a:endParaRPr>
+                    </a:p>
+                  </a:txBody>
+                  <a:tcPr>
+                    <a:lnL w="19050" cap="flat" cmpd="sng" algn="ctr">
+                      <a:solidFill>
+                        <a:schemeClr val="tx1"/>
+                      </a:solidFill>
+                      <a:prstDash val="solid"/>
+                      <a:round/>
+                      <a:headEnd type="none" w="med" len="med"/>
+                      <a:tailEnd type="none" w="med" len="med"/>
+                    </a:lnL>
+                    <a:lnR w="19050" cap="flat" cmpd="sng" algn="ctr">
+                      <a:solidFill>
+                        <a:schemeClr val="tx1"/>
+                      </a:solidFill>
+                      <a:prstDash val="solid"/>
+                      <a:round/>
+                      <a:headEnd type="none" w="med" len="med"/>
+                      <a:tailEnd type="none" w="med" len="med"/>
+                    </a:lnR>
+                    <a:lnT w="19050" cap="flat" cmpd="sng" algn="ctr">
+                      <a:solidFill>
+                        <a:schemeClr val="tx1"/>
+                      </a:solidFill>
+                      <a:prstDash val="solid"/>
+                      <a:round/>
+                      <a:headEnd type="none" w="med" len="med"/>
+                      <a:tailEnd type="none" w="med" len="med"/>
+                    </a:lnT>
+                    <a:lnB w="19050" cap="flat" cmpd="sng" algn="ctr">
+                      <a:solidFill>
+                        <a:schemeClr val="tx1"/>
+                      </a:solidFill>
+                      <a:prstDash val="solid"/>
+                      <a:round/>
+                      <a:headEnd type="none" w="med" len="med"/>
+                      <a:tailEnd type="none" w="med" len="med"/>
+                    </a:lnB>
+                    <a:solidFill>
+                      <a:srgbClr val="0070C0"/>
+                    </a:solidFill>
+                  </a:tcPr>
+                </a:tc>
+              </a:tr>
+            </a:tbl>
+          </a:graphicData>
+        </a:graphic>
+      </p:graphicFrame>
+      <p:sp>
+        <p:nvSpPr>
+          <p:cNvPr id="12" name="矩形 11"/>
+          <p:cNvSpPr/>
+          <p:nvPr/>
+        </p:nvSpPr>
+        <p:spPr>
+          <a:xfrm>
+            <a:off x="6300355" y="2847037"/>
+            <a:ext cx="6096000" cy="1754326"/>
+          </a:xfrm>
+          <a:prstGeom prst="rect">
+            <a:avLst/>
+          </a:prstGeom>
+        </p:spPr>
+        <p:txBody>
+          <a:bodyPr>
+            <a:spAutoFit/>
+          </a:bodyPr>
+          <a:lstStyle/>
+          <a:p>
+            <a:r>
+              <a:rPr lang="en-US" altLang="zh-CN" b="1" dirty="0" smtClean="0">
+                <a:solidFill>
+                  <a:srgbClr val="231F20"/>
+                </a:solidFill>
+                <a:latin typeface="Times New Roman" panose="02020603050405020304" pitchFamily="18" charset="0"/>
+                <a:cs typeface="Times New Roman" panose="02020603050405020304" pitchFamily="18" charset="0"/>
+              </a:rPr>
+              <a:t>The </a:t>
+            </a:r>
+            <a:r>
+              <a:rPr lang="en-US" altLang="zh-CN" b="1" i="1" dirty="0" smtClean="0">
+                <a:solidFill>
+                  <a:srgbClr val="231F20"/>
+                </a:solidFill>
+                <a:latin typeface="Times New Roman" panose="02020603050405020304" pitchFamily="18" charset="0"/>
+                <a:cs typeface="Times New Roman" panose="02020603050405020304" pitchFamily="18" charset="0"/>
+              </a:rPr>
+              <a:t>RC</a:t>
+            </a:r>
+            <a:r>
+              <a:rPr lang="en-US" altLang="zh-CN" b="1" dirty="0" smtClean="0">
+                <a:solidFill>
+                  <a:srgbClr val="231F20"/>
+                </a:solidFill>
+                <a:latin typeface="Times New Roman" panose="02020603050405020304" pitchFamily="18" charset="0"/>
+                <a:cs typeface="Times New Roman" panose="02020603050405020304" pitchFamily="18" charset="0"/>
+              </a:rPr>
+              <a:t> field </a:t>
+            </a:r>
+            <a:r>
+              <a:rPr lang="en-US" altLang="zh-CN" b="1" dirty="0">
+                <a:solidFill>
+                  <a:srgbClr val="231F20"/>
+                </a:solidFill>
+                <a:latin typeface="Times New Roman" panose="02020603050405020304" pitchFamily="18" charset="0"/>
+                <a:cs typeface="Times New Roman" panose="02020603050405020304" pitchFamily="18" charset="0"/>
+              </a:rPr>
+              <a:t>(6-bit) </a:t>
+            </a:r>
+            <a:r>
+              <a:rPr lang="en-US" altLang="zh-CN" dirty="0">
+                <a:solidFill>
+                  <a:srgbClr val="231F20"/>
+                </a:solidFill>
+                <a:latin typeface="Times New Roman" panose="02020603050405020304" pitchFamily="18" charset="0"/>
+                <a:cs typeface="Times New Roman" panose="02020603050405020304" pitchFamily="18" charset="0"/>
+              </a:rPr>
+              <a:t>holds the reference frequency (reuse) accumulated for the address. </a:t>
+            </a:r>
+            <a:endParaRPr lang="en-US" altLang="zh-CN" dirty="0" smtClean="0">
+              <a:solidFill>
+                <a:srgbClr val="231F20"/>
+              </a:solidFill>
+              <a:latin typeface="Times New Roman" panose="02020603050405020304" pitchFamily="18" charset="0"/>
+              <a:cs typeface="Times New Roman" panose="02020603050405020304" pitchFamily="18" charset="0"/>
+            </a:endParaRPr>
           </a:p>
           <a:p>
-            <a:endParaRPr lang="zh-CN" altLang="en-US" sz="1800" b="1" dirty="0">
+            <a:endParaRPr lang="en-US" altLang="zh-CN" dirty="0">
+              <a:solidFill>
+                <a:srgbClr val="231F20"/>
+              </a:solidFill>
+              <a:latin typeface="Times New Roman" panose="02020603050405020304" pitchFamily="18" charset="0"/>
+              <a:cs typeface="Times New Roman" panose="02020603050405020304" pitchFamily="18" charset="0"/>
+            </a:endParaRPr>
+          </a:p>
+          <a:p>
+            <a:r>
+              <a:rPr lang="en-US" altLang="zh-CN" b="1" dirty="0" smtClean="0">
+                <a:solidFill>
+                  <a:srgbClr val="231F20"/>
+                </a:solidFill>
+                <a:latin typeface="Times New Roman" panose="02020603050405020304" pitchFamily="18" charset="0"/>
+                <a:cs typeface="Times New Roman" panose="02020603050405020304" pitchFamily="18" charset="0"/>
+              </a:rPr>
+              <a:t>The </a:t>
+            </a:r>
+            <a:r>
+              <a:rPr lang="en-US" altLang="zh-CN" b="1" i="1" dirty="0">
+                <a:solidFill>
+                  <a:srgbClr val="231F20"/>
+                </a:solidFill>
+                <a:latin typeface="Times New Roman" panose="02020603050405020304" pitchFamily="18" charset="0"/>
+                <a:cs typeface="Times New Roman" panose="02020603050405020304" pitchFamily="18" charset="0"/>
+              </a:rPr>
+              <a:t>Position </a:t>
+            </a:r>
+            <a:r>
+              <a:rPr lang="en-US" altLang="zh-CN" b="1" dirty="0">
+                <a:solidFill>
+                  <a:srgbClr val="231F20"/>
+                </a:solidFill>
+                <a:latin typeface="Times New Roman" panose="02020603050405020304" pitchFamily="18" charset="0"/>
+                <a:cs typeface="Times New Roman" panose="02020603050405020304" pitchFamily="18" charset="0"/>
+              </a:rPr>
+              <a:t>field (2-bit) </a:t>
+            </a:r>
+            <a:r>
+              <a:rPr lang="en-US" altLang="zh-CN" dirty="0">
+                <a:solidFill>
+                  <a:srgbClr val="231F20"/>
+                </a:solidFill>
+                <a:latin typeface="Times New Roman" panose="02020603050405020304" pitchFamily="18" charset="0"/>
+                <a:cs typeface="Times New Roman" panose="02020603050405020304" pitchFamily="18" charset="0"/>
+              </a:rPr>
+              <a:t>connects </a:t>
+            </a:r>
+            <a:r>
+              <a:rPr lang="en-US" altLang="zh-CN" dirty="0" smtClean="0">
+                <a:solidFill>
+                  <a:srgbClr val="231F20"/>
+                </a:solidFill>
+                <a:latin typeface="Times New Roman" panose="02020603050405020304" pitchFamily="18" charset="0"/>
+                <a:cs typeface="Times New Roman" panose="02020603050405020304" pitchFamily="18" charset="0"/>
+              </a:rPr>
+              <a:t>a tag </a:t>
+            </a:r>
+            <a:r>
+              <a:rPr lang="en-US" altLang="zh-CN" dirty="0">
+                <a:solidFill>
+                  <a:srgbClr val="231F20"/>
+                </a:solidFill>
+                <a:latin typeface="Times New Roman" panose="02020603050405020304" pitchFamily="18" charset="0"/>
+                <a:cs typeface="Times New Roman" panose="02020603050405020304" pitchFamily="18" charset="0"/>
+              </a:rPr>
+              <a:t>store entry with a data line in the data store using </a:t>
+            </a:r>
+            <a:r>
+              <a:rPr lang="en-US" altLang="zh-CN" dirty="0" smtClean="0">
+                <a:solidFill>
+                  <a:srgbClr val="231F20"/>
+                </a:solidFill>
+                <a:latin typeface="Times New Roman" panose="02020603050405020304" pitchFamily="18" charset="0"/>
+                <a:cs typeface="Times New Roman" panose="02020603050405020304" pitchFamily="18" charset="0"/>
+              </a:rPr>
+              <a:t>a pointer </a:t>
+            </a:r>
+            <a:r>
+              <a:rPr lang="en-US" altLang="zh-CN" dirty="0">
+                <a:solidFill>
+                  <a:srgbClr val="231F20"/>
+                </a:solidFill>
+                <a:latin typeface="Times New Roman" panose="02020603050405020304" pitchFamily="18" charset="0"/>
+                <a:cs typeface="Times New Roman" panose="02020603050405020304" pitchFamily="18" charset="0"/>
+              </a:rPr>
+              <a:t>to record the data line’s </a:t>
+            </a:r>
+            <a:r>
+              <a:rPr lang="en-US" altLang="zh-CN" dirty="0" smtClean="0">
+                <a:solidFill>
+                  <a:srgbClr val="231F20"/>
+                </a:solidFill>
+                <a:latin typeface="Times New Roman" panose="02020603050405020304" pitchFamily="18" charset="0"/>
+                <a:cs typeface="Times New Roman" panose="02020603050405020304" pitchFamily="18" charset="0"/>
+              </a:rPr>
+              <a:t>position</a:t>
+            </a:r>
+            <a:endParaRPr lang="zh-CN" altLang="en-US" dirty="0">
+              <a:latin typeface="Times New Roman" panose="02020603050405020304" pitchFamily="18" charset="0"/>
+              <a:cs typeface="Times New Roman" panose="02020603050405020304" pitchFamily="18" charset="0"/>
+            </a:endParaRPr>
+          </a:p>
+        </p:txBody>
+      </p:sp>
+      <p:sp>
+        <p:nvSpPr>
+          <p:cNvPr id="13" name="矩形 12"/>
+          <p:cNvSpPr/>
+          <p:nvPr/>
+        </p:nvSpPr>
+        <p:spPr>
+          <a:xfrm>
+            <a:off x="3806537" y="5254870"/>
+            <a:ext cx="6096000" cy="646331"/>
+          </a:xfrm>
+          <a:prstGeom prst="rect">
+            <a:avLst/>
+          </a:prstGeom>
+        </p:spPr>
+        <p:txBody>
+          <a:bodyPr>
+            <a:spAutoFit/>
+          </a:bodyPr>
+          <a:lstStyle/>
+          <a:p>
+            <a:r>
+              <a:rPr lang="en-US" altLang="zh-CN" b="1" i="1" dirty="0">
+                <a:solidFill>
+                  <a:srgbClr val="231F20"/>
+                </a:solidFill>
+                <a:latin typeface="Times New Roman" panose="02020603050405020304" pitchFamily="18" charset="0"/>
+                <a:cs typeface="Times New Roman" panose="02020603050405020304" pitchFamily="18" charset="0"/>
+              </a:rPr>
+              <a:t>Free Line</a:t>
+            </a:r>
+            <a:r>
+              <a:rPr lang="en-US" altLang="zh-CN" b="1" dirty="0">
+                <a:solidFill>
+                  <a:srgbClr val="231F20"/>
+                </a:solidFill>
+                <a:latin typeface="Times New Roman" panose="02020603050405020304" pitchFamily="18" charset="0"/>
+                <a:cs typeface="Times New Roman" panose="02020603050405020304" pitchFamily="18" charset="0"/>
+              </a:rPr>
+              <a:t>, </a:t>
+            </a:r>
+            <a:r>
+              <a:rPr lang="en-US" altLang="zh-CN" dirty="0">
+                <a:solidFill>
+                  <a:srgbClr val="231F20"/>
+                </a:solidFill>
+                <a:latin typeface="Times New Roman" panose="02020603050405020304" pitchFamily="18" charset="0"/>
+                <a:cs typeface="Times New Roman" panose="02020603050405020304" pitchFamily="18" charset="0"/>
+              </a:rPr>
+              <a:t>indicating how many free lines are available for use in the </a:t>
+            </a:r>
+            <a:r>
+              <a:rPr lang="en-US" altLang="zh-CN" dirty="0" smtClean="0">
+                <a:solidFill>
+                  <a:srgbClr val="231F20"/>
+                </a:solidFill>
+                <a:latin typeface="Times New Roman" panose="02020603050405020304" pitchFamily="18" charset="0"/>
+                <a:cs typeface="Times New Roman" panose="02020603050405020304" pitchFamily="18" charset="0"/>
+              </a:rPr>
+              <a:t>set</a:t>
+            </a:r>
+            <a:endParaRPr lang="zh-CN" altLang="en-US" dirty="0">
+              <a:latin typeface="Times New Roman" panose="02020603050405020304" pitchFamily="18" charset="0"/>
+              <a:cs typeface="Times New Roman" panose="02020603050405020304" pitchFamily="18" charset="0"/>
+            </a:endParaRPr>
+          </a:p>
+        </p:txBody>
+      </p:sp>
+      <p:cxnSp>
+        <p:nvCxnSpPr>
+          <p:cNvPr id="16" name="直接连接符 15"/>
+          <p:cNvCxnSpPr/>
+          <p:nvPr/>
+        </p:nvCxnSpPr>
+        <p:spPr>
+          <a:xfrm>
+            <a:off x="640773" y="4125190"/>
+            <a:ext cx="5486400" cy="0"/>
+          </a:xfrm>
+          <a:prstGeom prst="line">
+            <a:avLst/>
+          </a:prstGeom>
+        </p:spPr>
+        <p:style>
+          <a:lnRef idx="3">
+            <a:schemeClr val="dk1"/>
+          </a:lnRef>
+          <a:fillRef idx="0">
+            <a:schemeClr val="dk1"/>
+          </a:fillRef>
+          <a:effectRef idx="2">
+            <a:schemeClr val="dk1"/>
+          </a:effectRef>
+          <a:fontRef idx="minor">
+            <a:schemeClr val="tx1"/>
+          </a:fontRef>
+        </p:style>
+      </p:cxnSp>
+      <p:sp>
+        <p:nvSpPr>
+          <p:cNvPr id="18" name="右箭头 17"/>
+          <p:cNvSpPr/>
+          <p:nvPr/>
+        </p:nvSpPr>
+        <p:spPr>
+          <a:xfrm>
+            <a:off x="2005445" y="5153892"/>
+            <a:ext cx="1548246" cy="734824"/>
+          </a:xfrm>
+          <a:prstGeom prst="rightArrow">
+            <a:avLst/>
+          </a:prstGeom>
+          <a:solidFill>
+            <a:srgbClr val="C00000"/>
+          </a:solidFill>
+          <a:ln>
+            <a:noFill/>
+          </a:ln>
+        </p:spPr>
+        <p:style>
+          <a:lnRef idx="2">
+            <a:schemeClr val="accent1">
+              <a:shade val="50000"/>
+            </a:schemeClr>
+          </a:lnRef>
+          <a:fillRef idx="1">
+            <a:schemeClr val="accent1"/>
+          </a:fillRef>
+          <a:effectRef idx="0">
+            <a:schemeClr val="accent1"/>
+          </a:effectRef>
+          <a:fontRef idx="minor">
+            <a:schemeClr val="lt1"/>
+          </a:fontRef>
+        </p:style>
+        <p:txBody>
+          <a:bodyPr rtlCol="0" anchor="ctr"/>
+          <a:lstStyle/>
+          <a:p>
+            <a:pPr algn="ctr"/>
+            <a:r>
+              <a:rPr lang="en-US" altLang="zh-CN" dirty="0" smtClean="0">
+                <a:latin typeface="Times New Roman" panose="02020603050405020304" pitchFamily="18" charset="0"/>
+                <a:cs typeface="Times New Roman" panose="02020603050405020304" pitchFamily="18" charset="0"/>
+              </a:rPr>
+              <a:t>Additional</a:t>
+            </a:r>
+            <a:endParaRPr lang="zh-CN" altLang="en-US" dirty="0">
               <a:latin typeface="Times New Roman" panose="02020603050405020304" pitchFamily="18" charset="0"/>
               <a:cs typeface="Times New Roman" panose="02020603050405020304" pitchFamily="18" charset="0"/>
             </a:endParaRPr>
@@ -20427,9 +21436,231 @@
   <p:timing>
     <p:tnLst>
       <p:par>
-        <p:cTn id="1" dur="indefinite" restart="never" nodeType="tmRoot"/>
+        <p:cTn id="1" dur="indefinite" restart="never" nodeType="tmRoot">
+          <p:childTnLst>
+            <p:seq concurrent="1" nextAc="seek">
+              <p:cTn id="2" dur="indefinite" nodeType="mainSeq">
+                <p:childTnLst>
+                  <p:par>
+                    <p:cTn id="3" fill="hold">
+                      <p:stCondLst>
+                        <p:cond delay="indefinite"/>
+                      </p:stCondLst>
+                      <p:childTnLst>
+                        <p:par>
+                          <p:cTn id="4" fill="hold">
+                            <p:stCondLst>
+                              <p:cond delay="0"/>
+                            </p:stCondLst>
+                            <p:childTnLst>
+                              <p:par>
+                                <p:cTn id="5" presetID="10" presetClass="entr" presetSubtype="0" fill="hold" nodeType="clickEffect">
+                                  <p:stCondLst>
+                                    <p:cond delay="0"/>
+                                  </p:stCondLst>
+                                  <p:childTnLst>
+                                    <p:set>
+                                      <p:cBhvr>
+                                        <p:cTn id="6" dur="1" fill="hold">
+                                          <p:stCondLst>
+                                            <p:cond delay="0"/>
+                                          </p:stCondLst>
+                                        </p:cTn>
+                                        <p:tgtEl>
+                                          <p:spTgt spid="11"/>
+                                        </p:tgtEl>
+                                        <p:attrNameLst>
+                                          <p:attrName>style.visibility</p:attrName>
+                                        </p:attrNameLst>
+                                      </p:cBhvr>
+                                      <p:to>
+                                        <p:strVal val="visible"/>
+                                      </p:to>
+                                    </p:set>
+                                    <p:animEffect transition="in" filter="fade">
+                                      <p:cBhvr>
+                                        <p:cTn id="7" dur="500"/>
+                                        <p:tgtEl>
+                                          <p:spTgt spid="11"/>
+                                        </p:tgtEl>
+                                      </p:cBhvr>
+                                    </p:animEffect>
+                                  </p:childTnLst>
+                                </p:cTn>
+                              </p:par>
+                            </p:childTnLst>
+                          </p:cTn>
+                        </p:par>
+                      </p:childTnLst>
+                    </p:cTn>
+                  </p:par>
+                  <p:par>
+                    <p:cTn id="8" fill="hold">
+                      <p:stCondLst>
+                        <p:cond delay="indefinite"/>
+                      </p:stCondLst>
+                      <p:childTnLst>
+                        <p:par>
+                          <p:cTn id="9" fill="hold">
+                            <p:stCondLst>
+                              <p:cond delay="0"/>
+                            </p:stCondLst>
+                            <p:childTnLst>
+                              <p:par>
+                                <p:cTn id="10" presetID="10" presetClass="entr" presetSubtype="0" fill="hold" grpId="0" nodeType="clickEffect">
+                                  <p:stCondLst>
+                                    <p:cond delay="0"/>
+                                  </p:stCondLst>
+                                  <p:childTnLst>
+                                    <p:set>
+                                      <p:cBhvr>
+                                        <p:cTn id="11" dur="1" fill="hold">
+                                          <p:stCondLst>
+                                            <p:cond delay="0"/>
+                                          </p:stCondLst>
+                                        </p:cTn>
+                                        <p:tgtEl>
+                                          <p:spTgt spid="12"/>
+                                        </p:tgtEl>
+                                        <p:attrNameLst>
+                                          <p:attrName>style.visibility</p:attrName>
+                                        </p:attrNameLst>
+                                      </p:cBhvr>
+                                      <p:to>
+                                        <p:strVal val="visible"/>
+                                      </p:to>
+                                    </p:set>
+                                    <p:animEffect transition="in" filter="fade">
+                                      <p:cBhvr>
+                                        <p:cTn id="12" dur="500"/>
+                                        <p:tgtEl>
+                                          <p:spTgt spid="12"/>
+                                        </p:tgtEl>
+                                      </p:cBhvr>
+                                    </p:animEffect>
+                                  </p:childTnLst>
+                                </p:cTn>
+                              </p:par>
+                            </p:childTnLst>
+                          </p:cTn>
+                        </p:par>
+                      </p:childTnLst>
+                    </p:cTn>
+                  </p:par>
+                  <p:par>
+                    <p:cTn id="13" fill="hold">
+                      <p:stCondLst>
+                        <p:cond delay="indefinite"/>
+                      </p:stCondLst>
+                      <p:childTnLst>
+                        <p:par>
+                          <p:cTn id="14" fill="hold">
+                            <p:stCondLst>
+                              <p:cond delay="0"/>
+                            </p:stCondLst>
+                            <p:childTnLst>
+                              <p:par>
+                                <p:cTn id="15" presetID="10" presetClass="entr" presetSubtype="0" fill="hold" grpId="0" nodeType="clickEffect">
+                                  <p:stCondLst>
+                                    <p:cond delay="0"/>
+                                  </p:stCondLst>
+                                  <p:childTnLst>
+                                    <p:set>
+                                      <p:cBhvr>
+                                        <p:cTn id="16" dur="1" fill="hold">
+                                          <p:stCondLst>
+                                            <p:cond delay="0"/>
+                                          </p:stCondLst>
+                                        </p:cTn>
+                                        <p:tgtEl>
+                                          <p:spTgt spid="13"/>
+                                        </p:tgtEl>
+                                        <p:attrNameLst>
+                                          <p:attrName>style.visibility</p:attrName>
+                                        </p:attrNameLst>
+                                      </p:cBhvr>
+                                      <p:to>
+                                        <p:strVal val="visible"/>
+                                      </p:to>
+                                    </p:set>
+                                    <p:animEffect transition="in" filter="fade">
+                                      <p:cBhvr>
+                                        <p:cTn id="17" dur="500"/>
+                                        <p:tgtEl>
+                                          <p:spTgt spid="13"/>
+                                        </p:tgtEl>
+                                      </p:cBhvr>
+                                    </p:animEffect>
+                                  </p:childTnLst>
+                                </p:cTn>
+                              </p:par>
+                              <p:par>
+                                <p:cTn id="18" presetID="10" presetClass="entr" presetSubtype="0" fill="hold" grpId="0" nodeType="withEffect">
+                                  <p:stCondLst>
+                                    <p:cond delay="0"/>
+                                  </p:stCondLst>
+                                  <p:childTnLst>
+                                    <p:set>
+                                      <p:cBhvr>
+                                        <p:cTn id="19" dur="1" fill="hold">
+                                          <p:stCondLst>
+                                            <p:cond delay="0"/>
+                                          </p:stCondLst>
+                                        </p:cTn>
+                                        <p:tgtEl>
+                                          <p:spTgt spid="18"/>
+                                        </p:tgtEl>
+                                        <p:attrNameLst>
+                                          <p:attrName>style.visibility</p:attrName>
+                                        </p:attrNameLst>
+                                      </p:cBhvr>
+                                      <p:to>
+                                        <p:strVal val="visible"/>
+                                      </p:to>
+                                    </p:set>
+                                    <p:animEffect transition="in" filter="fade">
+                                      <p:cBhvr>
+                                        <p:cTn id="20" dur="500"/>
+                                        <p:tgtEl>
+                                          <p:spTgt spid="18"/>
+                                        </p:tgtEl>
+                                      </p:cBhvr>
+                                    </p:animEffect>
+                                  </p:childTnLst>
+                                </p:cTn>
+                              </p:par>
+                            </p:childTnLst>
+                          </p:cTn>
+                        </p:par>
+                      </p:childTnLst>
+                    </p:cTn>
+                  </p:par>
+                </p:childTnLst>
+              </p:cTn>
+              <p:prevCondLst>
+                <p:cond evt="onPrev" delay="0">
+                  <p:tgtEl>
+                    <p:sldTgt/>
+                  </p:tgtEl>
+                </p:cond>
+              </p:prevCondLst>
+              <p:nextCondLst>
+                <p:cond evt="onNext" delay="0">
+                  <p:tgtEl>
+                    <p:sldTgt/>
+                  </p:tgtEl>
+                </p:cond>
+              </p:nextCondLst>
+            </p:seq>
+          </p:childTnLst>
+        </p:cTn>
       </p:par>
     </p:tnLst>
+    <p:bldLst>
+      <p:bldP spid="12" grpId="0"/>
+      <p:bldP spid="13" grpId="0"/>
+      <p:bldP spid="18" grpId="0" animBg="1"/>
+    </p:bldLst>
   </p:timing>
 </p:sld>
 </file>
@@ -20451,6 +21682,30 @@
           <a:chExt cx="0" cy="0"/>
         </a:xfrm>
       </p:grpSpPr>
+      <p:pic>
+        <p:nvPicPr>
+          <p:cNvPr id="4" name="图片 3"/>
+          <p:cNvPicPr>
+            <a:picLocks noChangeAspect="1"/>
+          </p:cNvPicPr>
+          <p:nvPr/>
+        </p:nvPicPr>
+        <p:blipFill>
+          <a:blip r:embed="rId2"/>
+          <a:stretch>
+            <a:fillRect/>
+          </a:stretch>
+        </p:blipFill>
+        <p:spPr>
+          <a:xfrm>
+            <a:off x="2847109" y="1304447"/>
+            <a:ext cx="9263941" cy="5257800"/>
+          </a:xfrm>
+          <a:prstGeom prst="rect">
+            <a:avLst/>
+          </a:prstGeom>
+        </p:spPr>
+      </p:pic>
       <p:sp>
         <p:nvSpPr>
           <p:cNvPr id="2" name="标题 1"/>
@@ -20505,30 +21760,648 @@
           </a:p>
         </p:txBody>
       </p:sp>
-      <p:pic>
-        <p:nvPicPr>
-          <p:cNvPr id="4" name="图片 3"/>
-          <p:cNvPicPr>
-            <a:picLocks noChangeAspect="1"/>
-          </p:cNvPicPr>
+      <p:graphicFrame>
+        <p:nvGraphicFramePr>
+          <p:cNvPr id="5" name="表格 4"/>
+          <p:cNvGraphicFramePr>
+            <a:graphicFrameLocks noGrp="1"/>
+          </p:cNvGraphicFramePr>
+          <p:nvPr>
+            <p:extLst>
+              <p:ext uri="{D42A27DB-BD31-4B8C-83A1-F6EECF244321}">
+                <p14:modId xmlns:p14="http://schemas.microsoft.com/office/powerpoint/2010/main" val="1722649205"/>
+              </p:ext>
+            </p:extLst>
+          </p:nvPr>
+        </p:nvGraphicFramePr>
+        <p:xfrm>
+          <a:off x="464125" y="1806129"/>
+          <a:ext cx="3629892" cy="370840"/>
+        </p:xfrm>
+        <a:graphic>
+          <a:graphicData uri="http://schemas.openxmlformats.org/drawingml/2006/table">
+            <a:tbl>
+              <a:tblPr firstRow="1" bandRow="1">
+                <a:effectLst/>
+                <a:tableStyleId>{5C22544A-7EE6-4342-B048-85BDC9FD1C3A}</a:tableStyleId>
+              </a:tblPr>
+              <a:tblGrid>
+                <a:gridCol w="1323111"/>
+                <a:gridCol w="862446"/>
+                <a:gridCol w="538726"/>
+                <a:gridCol w="905609"/>
+              </a:tblGrid>
+              <a:tr h="370840">
+                <a:tc>
+                  <a:txBody>
+                    <a:bodyPr/>
+                    <a:lstStyle/>
+                    <a:p>
+                      <a:pPr algn="ctr"/>
+                      <a:r>
+                        <a:rPr lang="en-US" altLang="zh-CN" sz="1600" dirty="0" smtClean="0">
+                          <a:solidFill>
+                            <a:sysClr val="windowText" lastClr="000000"/>
+                          </a:solidFill>
+                          <a:latin typeface="Times New Roman" panose="02020603050405020304" pitchFamily="18" charset="0"/>
+                          <a:cs typeface="Times New Roman" panose="02020603050405020304" pitchFamily="18" charset="0"/>
+                        </a:rPr>
+                        <a:t>Tag</a:t>
+                      </a:r>
+                      <a:endParaRPr lang="zh-CN" altLang="en-US" sz="1600" dirty="0">
+                        <a:solidFill>
+                          <a:sysClr val="windowText" lastClr="000000"/>
+                        </a:solidFill>
+                        <a:latin typeface="Times New Roman" panose="02020603050405020304" pitchFamily="18" charset="0"/>
+                        <a:cs typeface="Times New Roman" panose="02020603050405020304" pitchFamily="18" charset="0"/>
+                      </a:endParaRPr>
+                    </a:p>
+                  </a:txBody>
+                  <a:tcPr>
+                    <a:lnL w="19050" cap="flat" cmpd="sng" algn="ctr">
+                      <a:solidFill>
+                        <a:schemeClr val="tx1"/>
+                      </a:solidFill>
+                      <a:prstDash val="solid"/>
+                      <a:round/>
+                      <a:headEnd type="none" w="med" len="med"/>
+                      <a:tailEnd type="none" w="med" len="med"/>
+                    </a:lnL>
+                    <a:lnR w="19050" cap="flat" cmpd="sng" algn="ctr">
+                      <a:solidFill>
+                        <a:schemeClr val="tx1"/>
+                      </a:solidFill>
+                      <a:prstDash val="solid"/>
+                      <a:round/>
+                      <a:headEnd type="none" w="med" len="med"/>
+                      <a:tailEnd type="none" w="med" len="med"/>
+                    </a:lnR>
+                    <a:lnT w="19050" cap="flat" cmpd="sng" algn="ctr">
+                      <a:solidFill>
+                        <a:schemeClr val="tx1"/>
+                      </a:solidFill>
+                      <a:prstDash val="solid"/>
+                      <a:round/>
+                      <a:headEnd type="none" w="med" len="med"/>
+                      <a:tailEnd type="none" w="med" len="med"/>
+                    </a:lnT>
+                    <a:lnB w="19050" cap="flat" cmpd="sng" algn="ctr">
+                      <a:solidFill>
+                        <a:schemeClr val="tx1"/>
+                      </a:solidFill>
+                      <a:prstDash val="solid"/>
+                      <a:round/>
+                      <a:headEnd type="none" w="med" len="med"/>
+                      <a:tailEnd type="none" w="med" len="med"/>
+                    </a:lnB>
+                    <a:solidFill>
+                      <a:srgbClr val="00B050"/>
+                    </a:solidFill>
+                  </a:tcPr>
+                </a:tc>
+                <a:tc>
+                  <a:txBody>
+                    <a:bodyPr/>
+                    <a:lstStyle/>
+                    <a:p>
+                      <a:pPr algn="ctr"/>
+                      <a:r>
+                        <a:rPr lang="en-US" altLang="zh-CN" sz="1600" dirty="0" smtClean="0">
+                          <a:solidFill>
+                            <a:sysClr val="windowText" lastClr="000000"/>
+                          </a:solidFill>
+                          <a:latin typeface="Times New Roman" panose="02020603050405020304" pitchFamily="18" charset="0"/>
+                          <a:cs typeface="Times New Roman" panose="02020603050405020304" pitchFamily="18" charset="0"/>
+                        </a:rPr>
+                        <a:t>Status</a:t>
+                      </a:r>
+                      <a:endParaRPr lang="zh-CN" altLang="en-US" sz="1600" dirty="0">
+                        <a:solidFill>
+                          <a:sysClr val="windowText" lastClr="000000"/>
+                        </a:solidFill>
+                        <a:latin typeface="Times New Roman" panose="02020603050405020304" pitchFamily="18" charset="0"/>
+                        <a:cs typeface="Times New Roman" panose="02020603050405020304" pitchFamily="18" charset="0"/>
+                      </a:endParaRPr>
+                    </a:p>
+                  </a:txBody>
+                  <a:tcPr>
+                    <a:lnL w="19050" cap="flat" cmpd="sng" algn="ctr">
+                      <a:solidFill>
+                        <a:schemeClr val="tx1"/>
+                      </a:solidFill>
+                      <a:prstDash val="solid"/>
+                      <a:round/>
+                      <a:headEnd type="none" w="med" len="med"/>
+                      <a:tailEnd type="none" w="med" len="med"/>
+                    </a:lnL>
+                    <a:lnR w="19050" cap="flat" cmpd="sng" algn="ctr">
+                      <a:solidFill>
+                        <a:schemeClr val="tx1"/>
+                      </a:solidFill>
+                      <a:prstDash val="solid"/>
+                      <a:round/>
+                      <a:headEnd type="none" w="med" len="med"/>
+                      <a:tailEnd type="none" w="med" len="med"/>
+                    </a:lnR>
+                    <a:lnT w="19050" cap="flat" cmpd="sng" algn="ctr">
+                      <a:solidFill>
+                        <a:schemeClr val="tx1"/>
+                      </a:solidFill>
+                      <a:prstDash val="solid"/>
+                      <a:round/>
+                      <a:headEnd type="none" w="med" len="med"/>
+                      <a:tailEnd type="none" w="med" len="med"/>
+                    </a:lnT>
+                    <a:lnB w="19050" cap="flat" cmpd="sng" algn="ctr">
+                      <a:solidFill>
+                        <a:schemeClr val="tx1"/>
+                      </a:solidFill>
+                      <a:prstDash val="solid"/>
+                      <a:round/>
+                      <a:headEnd type="none" w="med" len="med"/>
+                      <a:tailEnd type="none" w="med" len="med"/>
+                    </a:lnB>
+                    <a:solidFill>
+                      <a:srgbClr val="FFFF00"/>
+                    </a:solidFill>
+                  </a:tcPr>
+                </a:tc>
+                <a:tc>
+                  <a:txBody>
+                    <a:bodyPr/>
+                    <a:lstStyle/>
+                    <a:p>
+                      <a:pPr algn="ctr"/>
+                      <a:r>
+                        <a:rPr lang="en-US" altLang="zh-CN" sz="1600" dirty="0" smtClean="0">
+                          <a:solidFill>
+                            <a:schemeClr val="bg1"/>
+                          </a:solidFill>
+                          <a:latin typeface="Times New Roman" panose="02020603050405020304" pitchFamily="18" charset="0"/>
+                          <a:cs typeface="Times New Roman" panose="02020603050405020304" pitchFamily="18" charset="0"/>
+                        </a:rPr>
+                        <a:t>RC</a:t>
+                      </a:r>
+                      <a:endParaRPr lang="zh-CN" altLang="en-US" sz="1600" dirty="0">
+                        <a:solidFill>
+                          <a:schemeClr val="bg1"/>
+                        </a:solidFill>
+                        <a:latin typeface="Times New Roman" panose="02020603050405020304" pitchFamily="18" charset="0"/>
+                        <a:cs typeface="Times New Roman" panose="02020603050405020304" pitchFamily="18" charset="0"/>
+                      </a:endParaRPr>
+                    </a:p>
+                  </a:txBody>
+                  <a:tcPr>
+                    <a:lnL w="19050" cap="flat" cmpd="sng" algn="ctr">
+                      <a:solidFill>
+                        <a:schemeClr val="tx1"/>
+                      </a:solidFill>
+                      <a:prstDash val="solid"/>
+                      <a:round/>
+                      <a:headEnd type="none" w="med" len="med"/>
+                      <a:tailEnd type="none" w="med" len="med"/>
+                    </a:lnL>
+                    <a:lnR w="19050" cap="flat" cmpd="sng" algn="ctr">
+                      <a:solidFill>
+                        <a:schemeClr val="tx1"/>
+                      </a:solidFill>
+                      <a:prstDash val="solid"/>
+                      <a:round/>
+                      <a:headEnd type="none" w="med" len="med"/>
+                      <a:tailEnd type="none" w="med" len="med"/>
+                    </a:lnR>
+                    <a:lnT w="19050" cap="flat" cmpd="sng" algn="ctr">
+                      <a:solidFill>
+                        <a:schemeClr val="tx1"/>
+                      </a:solidFill>
+                      <a:prstDash val="solid"/>
+                      <a:round/>
+                      <a:headEnd type="none" w="med" len="med"/>
+                      <a:tailEnd type="none" w="med" len="med"/>
+                    </a:lnT>
+                    <a:lnB w="19050" cap="flat" cmpd="sng" algn="ctr">
+                      <a:solidFill>
+                        <a:schemeClr val="tx1"/>
+                      </a:solidFill>
+                      <a:prstDash val="solid"/>
+                      <a:round/>
+                      <a:headEnd type="none" w="med" len="med"/>
+                      <a:tailEnd type="none" w="med" len="med"/>
+                    </a:lnB>
+                    <a:solidFill>
+                      <a:srgbClr val="7030A0"/>
+                    </a:solidFill>
+                  </a:tcPr>
+                </a:tc>
+                <a:tc>
+                  <a:txBody>
+                    <a:bodyPr/>
+                    <a:lstStyle/>
+                    <a:p>
+                      <a:pPr algn="ctr"/>
+                      <a:r>
+                        <a:rPr lang="en-US" altLang="zh-CN" sz="1600" dirty="0" smtClean="0">
+                          <a:solidFill>
+                            <a:schemeClr val="bg1"/>
+                          </a:solidFill>
+                          <a:latin typeface="Times New Roman" panose="02020603050405020304" pitchFamily="18" charset="0"/>
+                          <a:cs typeface="Times New Roman" panose="02020603050405020304" pitchFamily="18" charset="0"/>
+                        </a:rPr>
+                        <a:t>Position</a:t>
+                      </a:r>
+                      <a:endParaRPr lang="zh-CN" altLang="en-US" sz="1600" dirty="0">
+                        <a:solidFill>
+                          <a:schemeClr val="bg1"/>
+                        </a:solidFill>
+                        <a:latin typeface="Times New Roman" panose="02020603050405020304" pitchFamily="18" charset="0"/>
+                        <a:cs typeface="Times New Roman" panose="02020603050405020304" pitchFamily="18" charset="0"/>
+                      </a:endParaRPr>
+                    </a:p>
+                  </a:txBody>
+                  <a:tcPr>
+                    <a:lnL w="19050" cap="flat" cmpd="sng" algn="ctr">
+                      <a:solidFill>
+                        <a:schemeClr val="tx1"/>
+                      </a:solidFill>
+                      <a:prstDash val="solid"/>
+                      <a:round/>
+                      <a:headEnd type="none" w="med" len="med"/>
+                      <a:tailEnd type="none" w="med" len="med"/>
+                    </a:lnL>
+                    <a:lnR w="19050" cap="flat" cmpd="sng" algn="ctr">
+                      <a:solidFill>
+                        <a:schemeClr val="tx1"/>
+                      </a:solidFill>
+                      <a:prstDash val="solid"/>
+                      <a:round/>
+                      <a:headEnd type="none" w="med" len="med"/>
+                      <a:tailEnd type="none" w="med" len="med"/>
+                    </a:lnR>
+                    <a:lnT w="19050" cap="flat" cmpd="sng" algn="ctr">
+                      <a:solidFill>
+                        <a:schemeClr val="tx1"/>
+                      </a:solidFill>
+                      <a:prstDash val="solid"/>
+                      <a:round/>
+                      <a:headEnd type="none" w="med" len="med"/>
+                      <a:tailEnd type="none" w="med" len="med"/>
+                    </a:lnT>
+                    <a:lnB w="19050" cap="flat" cmpd="sng" algn="ctr">
+                      <a:solidFill>
+                        <a:schemeClr val="tx1"/>
+                      </a:solidFill>
+                      <a:prstDash val="solid"/>
+                      <a:round/>
+                      <a:headEnd type="none" w="med" len="med"/>
+                      <a:tailEnd type="none" w="med" len="med"/>
+                    </a:lnB>
+                    <a:solidFill>
+                      <a:srgbClr val="0070C0"/>
+                    </a:solidFill>
+                  </a:tcPr>
+                </a:tc>
+              </a:tr>
+            </a:tbl>
+          </a:graphicData>
+        </a:graphic>
+      </p:graphicFrame>
+      <p:cxnSp>
+        <p:nvCxnSpPr>
+          <p:cNvPr id="25" name="直接箭头连接符 24"/>
+          <p:cNvCxnSpPr/>
           <p:nvPr/>
-        </p:nvPicPr>
-        <p:blipFill>
-          <a:blip r:embed="rId2"/>
-          <a:stretch>
-            <a:fillRect/>
-          </a:stretch>
-        </p:blipFill>
+        </p:nvCxnSpPr>
         <p:spPr>
           <a:xfrm>
-            <a:off x="1232634" y="1346010"/>
-            <a:ext cx="9153525" cy="5257800"/>
+            <a:off x="6660570" y="1756064"/>
+            <a:ext cx="10391" cy="280554"/>
           </a:xfrm>
-          <a:prstGeom prst="rect">
+          <a:prstGeom prst="straightConnector1">
             <a:avLst/>
           </a:prstGeom>
+          <a:ln>
+            <a:tailEnd type="triangle"/>
+          </a:ln>
         </p:spPr>
-      </p:pic>
+        <p:style>
+          <a:lnRef idx="3">
+            <a:schemeClr val="dk1"/>
+          </a:lnRef>
+          <a:fillRef idx="0">
+            <a:schemeClr val="dk1"/>
+          </a:fillRef>
+          <a:effectRef idx="2">
+            <a:schemeClr val="dk1"/>
+          </a:effectRef>
+          <a:fontRef idx="minor">
+            <a:schemeClr val="tx1"/>
+          </a:fontRef>
+        </p:style>
+      </p:cxnSp>
+      <p:cxnSp>
+        <p:nvCxnSpPr>
+          <p:cNvPr id="28" name="肘形连接符 27"/>
+          <p:cNvCxnSpPr/>
+          <p:nvPr/>
+        </p:nvCxnSpPr>
+        <p:spPr>
+          <a:xfrm rot="10800000" flipV="1">
+            <a:off x="4914900" y="2483426"/>
+            <a:ext cx="633846" cy="301337"/>
+          </a:xfrm>
+          <a:prstGeom prst="bentConnector3">
+            <a:avLst>
+              <a:gd name="adj1" fmla="val 100820"/>
+            </a:avLst>
+          </a:prstGeom>
+          <a:ln>
+            <a:solidFill>
+              <a:srgbClr val="FFC000"/>
+            </a:solidFill>
+            <a:tailEnd type="triangle"/>
+          </a:ln>
+        </p:spPr>
+        <p:style>
+          <a:lnRef idx="3">
+            <a:schemeClr val="accent2"/>
+          </a:lnRef>
+          <a:fillRef idx="0">
+            <a:schemeClr val="accent2"/>
+          </a:fillRef>
+          <a:effectRef idx="2">
+            <a:schemeClr val="accent2"/>
+          </a:effectRef>
+          <a:fontRef idx="minor">
+            <a:schemeClr val="tx1"/>
+          </a:fontRef>
+        </p:style>
+      </p:cxnSp>
+      <p:cxnSp>
+        <p:nvCxnSpPr>
+          <p:cNvPr id="31" name="肘形连接符 30"/>
+          <p:cNvCxnSpPr/>
+          <p:nvPr/>
+        </p:nvCxnSpPr>
+        <p:spPr>
+          <a:xfrm rot="5400000">
+            <a:off x="3379286" y="3618920"/>
+            <a:ext cx="857322" cy="425384"/>
+          </a:xfrm>
+          <a:prstGeom prst="bentConnector3">
+            <a:avLst>
+              <a:gd name="adj1" fmla="val -5753"/>
+            </a:avLst>
+          </a:prstGeom>
+          <a:ln>
+            <a:solidFill>
+              <a:srgbClr val="FFC000"/>
+            </a:solidFill>
+            <a:tailEnd type="triangle"/>
+          </a:ln>
+        </p:spPr>
+        <p:style>
+          <a:lnRef idx="3">
+            <a:schemeClr val="accent2"/>
+          </a:lnRef>
+          <a:fillRef idx="0">
+            <a:schemeClr val="accent2"/>
+          </a:fillRef>
+          <a:effectRef idx="2">
+            <a:schemeClr val="accent2"/>
+          </a:effectRef>
+          <a:fontRef idx="minor">
+            <a:schemeClr val="tx1"/>
+          </a:fontRef>
+        </p:style>
+      </p:cxnSp>
+      <p:cxnSp>
+        <p:nvCxnSpPr>
+          <p:cNvPr id="35" name="肘形连接符 34"/>
+          <p:cNvCxnSpPr/>
+          <p:nvPr/>
+        </p:nvCxnSpPr>
+        <p:spPr>
+          <a:xfrm rot="16200000" flipH="1">
+            <a:off x="5520386" y="3637035"/>
+            <a:ext cx="921763" cy="324715"/>
+          </a:xfrm>
+          <a:prstGeom prst="bentConnector3">
+            <a:avLst>
+              <a:gd name="adj1" fmla="val 1433"/>
+            </a:avLst>
+          </a:prstGeom>
+          <a:ln>
+            <a:solidFill>
+              <a:srgbClr val="B48900"/>
+            </a:solidFill>
+            <a:tailEnd type="triangle"/>
+          </a:ln>
+        </p:spPr>
+        <p:style>
+          <a:lnRef idx="3">
+            <a:schemeClr val="accent2"/>
+          </a:lnRef>
+          <a:fillRef idx="0">
+            <a:schemeClr val="accent2"/>
+          </a:fillRef>
+          <a:effectRef idx="2">
+            <a:schemeClr val="accent2"/>
+          </a:effectRef>
+          <a:fontRef idx="minor">
+            <a:schemeClr val="tx1"/>
+          </a:fontRef>
+        </p:style>
+      </p:cxnSp>
+      <p:cxnSp>
+        <p:nvCxnSpPr>
+          <p:cNvPr id="40" name="肘形连接符 39"/>
+          <p:cNvCxnSpPr/>
+          <p:nvPr/>
+        </p:nvCxnSpPr>
+        <p:spPr>
+          <a:xfrm>
+            <a:off x="7779537" y="2464373"/>
+            <a:ext cx="831063" cy="464565"/>
+          </a:xfrm>
+          <a:prstGeom prst="bentConnector3">
+            <a:avLst>
+              <a:gd name="adj1" fmla="val 98710"/>
+            </a:avLst>
+          </a:prstGeom>
+          <a:ln>
+            <a:solidFill>
+              <a:srgbClr val="00B0F0"/>
+            </a:solidFill>
+            <a:tailEnd type="triangle"/>
+          </a:ln>
+        </p:spPr>
+        <p:style>
+          <a:lnRef idx="3">
+            <a:schemeClr val="accent2"/>
+          </a:lnRef>
+          <a:fillRef idx="0">
+            <a:schemeClr val="accent2"/>
+          </a:fillRef>
+          <a:effectRef idx="2">
+            <a:schemeClr val="accent2"/>
+          </a:effectRef>
+          <a:fontRef idx="minor">
+            <a:schemeClr val="tx1"/>
+          </a:fontRef>
+        </p:style>
+      </p:cxnSp>
+      <p:cxnSp>
+        <p:nvCxnSpPr>
+          <p:cNvPr id="50" name="肘形连接符 49"/>
+          <p:cNvCxnSpPr/>
+          <p:nvPr/>
+        </p:nvCxnSpPr>
+        <p:spPr>
+          <a:xfrm rot="10800000" flipV="1">
+            <a:off x="7058025" y="3212305"/>
+            <a:ext cx="297656" cy="290513"/>
+          </a:xfrm>
+          <a:prstGeom prst="bentConnector3">
+            <a:avLst>
+              <a:gd name="adj1" fmla="val 102800"/>
+            </a:avLst>
+          </a:prstGeom>
+          <a:ln>
+            <a:solidFill>
+              <a:srgbClr val="00B050"/>
+            </a:solidFill>
+            <a:tailEnd type="triangle"/>
+          </a:ln>
+        </p:spPr>
+        <p:style>
+          <a:lnRef idx="3">
+            <a:schemeClr val="accent2"/>
+          </a:lnRef>
+          <a:fillRef idx="0">
+            <a:schemeClr val="accent2"/>
+          </a:fillRef>
+          <a:effectRef idx="2">
+            <a:schemeClr val="accent2"/>
+          </a:effectRef>
+          <a:fontRef idx="minor">
+            <a:schemeClr val="tx1"/>
+          </a:fontRef>
+        </p:style>
+      </p:cxnSp>
+      <p:cxnSp>
+        <p:nvCxnSpPr>
+          <p:cNvPr id="56" name="肘形连接符 55"/>
+          <p:cNvCxnSpPr/>
+          <p:nvPr/>
+        </p:nvCxnSpPr>
+        <p:spPr>
+          <a:xfrm>
+            <a:off x="9791700" y="3212305"/>
+            <a:ext cx="381000" cy="290513"/>
+          </a:xfrm>
+          <a:prstGeom prst="bentConnector3">
+            <a:avLst>
+              <a:gd name="adj1" fmla="val 97500"/>
+            </a:avLst>
+          </a:prstGeom>
+          <a:ln>
+            <a:solidFill>
+              <a:srgbClr val="00B0F0"/>
+            </a:solidFill>
+            <a:tailEnd type="triangle"/>
+          </a:ln>
+        </p:spPr>
+        <p:style>
+          <a:lnRef idx="3">
+            <a:schemeClr val="accent2"/>
+          </a:lnRef>
+          <a:fillRef idx="0">
+            <a:schemeClr val="accent2"/>
+          </a:fillRef>
+          <a:effectRef idx="2">
+            <a:schemeClr val="accent2"/>
+          </a:effectRef>
+          <a:fontRef idx="minor">
+            <a:schemeClr val="tx1"/>
+          </a:fontRef>
+        </p:style>
+      </p:cxnSp>
+      <p:cxnSp>
+        <p:nvCxnSpPr>
+          <p:cNvPr id="60" name="肘形连接符 59"/>
+          <p:cNvCxnSpPr/>
+          <p:nvPr/>
+        </p:nvCxnSpPr>
+        <p:spPr>
+          <a:xfrm rot="10800000" flipV="1">
+            <a:off x="8827294" y="3831610"/>
+            <a:ext cx="347662" cy="259377"/>
+          </a:xfrm>
+          <a:prstGeom prst="bentConnector3">
+            <a:avLst>
+              <a:gd name="adj1" fmla="val 98630"/>
+            </a:avLst>
+          </a:prstGeom>
+          <a:ln>
+            <a:solidFill>
+              <a:srgbClr val="00B0F0"/>
+            </a:solidFill>
+            <a:tailEnd type="triangle"/>
+          </a:ln>
+        </p:spPr>
+        <p:style>
+          <a:lnRef idx="3">
+            <a:schemeClr val="accent2"/>
+          </a:lnRef>
+          <a:fillRef idx="0">
+            <a:schemeClr val="accent2"/>
+          </a:fillRef>
+          <a:effectRef idx="2">
+            <a:schemeClr val="accent2"/>
+          </a:effectRef>
+          <a:fontRef idx="minor">
+            <a:schemeClr val="tx1"/>
+          </a:fontRef>
+        </p:style>
+      </p:cxnSp>
+      <p:cxnSp>
+        <p:nvCxnSpPr>
+          <p:cNvPr id="64" name="肘形连接符 63"/>
+          <p:cNvCxnSpPr/>
+          <p:nvPr/>
+        </p:nvCxnSpPr>
+        <p:spPr>
+          <a:xfrm rot="16200000" flipH="1">
+            <a:off x="11068030" y="3936403"/>
+            <a:ext cx="428664" cy="219075"/>
+          </a:xfrm>
+          <a:prstGeom prst="bentConnector3">
+            <a:avLst>
+              <a:gd name="adj1" fmla="val 3893"/>
+            </a:avLst>
+          </a:prstGeom>
+          <a:ln>
+            <a:solidFill>
+              <a:srgbClr val="00B0F0"/>
+            </a:solidFill>
+            <a:tailEnd type="triangle"/>
+          </a:ln>
+        </p:spPr>
+        <p:style>
+          <a:lnRef idx="3">
+            <a:schemeClr val="accent2"/>
+          </a:lnRef>
+          <a:fillRef idx="0">
+            <a:schemeClr val="accent2"/>
+          </a:fillRef>
+          <a:effectRef idx="2">
+            <a:schemeClr val="accent2"/>
+          </a:effectRef>
+          <a:fontRef idx="minor">
+            <a:schemeClr val="tx1"/>
+          </a:fontRef>
+        </p:style>
+      </p:cxnSp>
     </p:spTree>
     <p:extLst>
       <p:ext uri="{BB962C8B-B14F-4D97-AF65-F5344CB8AC3E}">
@@ -20542,7 +22415,560 @@
   <p:timing>
     <p:tnLst>
       <p:par>
-        <p:cTn id="1" dur="indefinite" restart="never" nodeType="tmRoot"/>
+        <p:cTn id="1" dur="indefinite" restart="never" nodeType="tmRoot">
+          <p:childTnLst>
+            <p:seq concurrent="1" nextAc="seek">
+              <p:cTn id="2" dur="indefinite" nodeType="mainSeq">
+                <p:childTnLst>
+                  <p:par>
+                    <p:cTn id="3" fill="hold">
+                      <p:stCondLst>
+                        <p:cond delay="indefinite"/>
+                      </p:stCondLst>
+                      <p:childTnLst>
+                        <p:par>
+                          <p:cTn id="4" fill="hold">
+                            <p:stCondLst>
+                              <p:cond delay="0"/>
+                            </p:stCondLst>
+                            <p:childTnLst>
+                              <p:par>
+                                <p:cTn id="5" presetID="10" presetClass="entr" presetSubtype="0" fill="hold" nodeType="clickEffect">
+                                  <p:stCondLst>
+                                    <p:cond delay="0"/>
+                                  </p:stCondLst>
+                                  <p:childTnLst>
+                                    <p:set>
+                                      <p:cBhvr>
+                                        <p:cTn id="6" dur="1" fill="hold">
+                                          <p:stCondLst>
+                                            <p:cond delay="0"/>
+                                          </p:stCondLst>
+                                        </p:cTn>
+                                        <p:tgtEl>
+                                          <p:spTgt spid="5"/>
+                                        </p:tgtEl>
+                                        <p:attrNameLst>
+                                          <p:attrName>style.visibility</p:attrName>
+                                        </p:attrNameLst>
+                                      </p:cBhvr>
+                                      <p:to>
+                                        <p:strVal val="visible"/>
+                                      </p:to>
+                                    </p:set>
+                                    <p:animEffect transition="in" filter="fade">
+                                      <p:cBhvr>
+                                        <p:cTn id="7" dur="500"/>
+                                        <p:tgtEl>
+                                          <p:spTgt spid="5"/>
+                                        </p:tgtEl>
+                                      </p:cBhvr>
+                                    </p:animEffect>
+                                  </p:childTnLst>
+                                </p:cTn>
+                              </p:par>
+                            </p:childTnLst>
+                          </p:cTn>
+                        </p:par>
+                      </p:childTnLst>
+                    </p:cTn>
+                  </p:par>
+                  <p:par>
+                    <p:cTn id="8" fill="hold">
+                      <p:stCondLst>
+                        <p:cond delay="indefinite"/>
+                      </p:stCondLst>
+                      <p:childTnLst>
+                        <p:par>
+                          <p:cTn id="9" fill="hold">
+                            <p:stCondLst>
+                              <p:cond delay="0"/>
+                            </p:stCondLst>
+                            <p:childTnLst>
+                              <p:par>
+                                <p:cTn id="10" presetID="10" presetClass="entr" presetSubtype="0" fill="hold" nodeType="clickEffect">
+                                  <p:stCondLst>
+                                    <p:cond delay="0"/>
+                                  </p:stCondLst>
+                                  <p:childTnLst>
+                                    <p:set>
+                                      <p:cBhvr>
+                                        <p:cTn id="11" dur="1" fill="hold">
+                                          <p:stCondLst>
+                                            <p:cond delay="0"/>
+                                          </p:stCondLst>
+                                        </p:cTn>
+                                        <p:tgtEl>
+                                          <p:spTgt spid="25"/>
+                                        </p:tgtEl>
+                                        <p:attrNameLst>
+                                          <p:attrName>style.visibility</p:attrName>
+                                        </p:attrNameLst>
+                                      </p:cBhvr>
+                                      <p:to>
+                                        <p:strVal val="visible"/>
+                                      </p:to>
+                                    </p:set>
+                                    <p:animEffect transition="in" filter="fade">
+                                      <p:cBhvr>
+                                        <p:cTn id="12" dur="500"/>
+                                        <p:tgtEl>
+                                          <p:spTgt spid="25"/>
+                                        </p:tgtEl>
+                                      </p:cBhvr>
+                                    </p:animEffect>
+                                  </p:childTnLst>
+                                </p:cTn>
+                              </p:par>
+                            </p:childTnLst>
+                          </p:cTn>
+                        </p:par>
+                      </p:childTnLst>
+                    </p:cTn>
+                  </p:par>
+                  <p:par>
+                    <p:cTn id="13" fill="hold">
+                      <p:stCondLst>
+                        <p:cond delay="indefinite"/>
+                      </p:stCondLst>
+                      <p:childTnLst>
+                        <p:par>
+                          <p:cTn id="14" fill="hold">
+                            <p:stCondLst>
+                              <p:cond delay="0"/>
+                            </p:stCondLst>
+                            <p:childTnLst>
+                              <p:par>
+                                <p:cTn id="15" presetID="10" presetClass="entr" presetSubtype="0" fill="hold" nodeType="clickEffect">
+                                  <p:stCondLst>
+                                    <p:cond delay="0"/>
+                                  </p:stCondLst>
+                                  <p:childTnLst>
+                                    <p:set>
+                                      <p:cBhvr>
+                                        <p:cTn id="16" dur="1" fill="hold">
+                                          <p:stCondLst>
+                                            <p:cond delay="0"/>
+                                          </p:stCondLst>
+                                        </p:cTn>
+                                        <p:tgtEl>
+                                          <p:spTgt spid="28"/>
+                                        </p:tgtEl>
+                                        <p:attrNameLst>
+                                          <p:attrName>style.visibility</p:attrName>
+                                        </p:attrNameLst>
+                                      </p:cBhvr>
+                                      <p:to>
+                                        <p:strVal val="visible"/>
+                                      </p:to>
+                                    </p:set>
+                                    <p:animEffect transition="in" filter="fade">
+                                      <p:cBhvr>
+                                        <p:cTn id="17" dur="500"/>
+                                        <p:tgtEl>
+                                          <p:spTgt spid="28"/>
+                                        </p:tgtEl>
+                                      </p:cBhvr>
+                                    </p:animEffect>
+                                  </p:childTnLst>
+                                </p:cTn>
+                              </p:par>
+                            </p:childTnLst>
+                          </p:cTn>
+                        </p:par>
+                      </p:childTnLst>
+                    </p:cTn>
+                  </p:par>
+                  <p:par>
+                    <p:cTn id="18" fill="hold">
+                      <p:stCondLst>
+                        <p:cond delay="indefinite"/>
+                      </p:stCondLst>
+                      <p:childTnLst>
+                        <p:par>
+                          <p:cTn id="19" fill="hold">
+                            <p:stCondLst>
+                              <p:cond delay="0"/>
+                            </p:stCondLst>
+                            <p:childTnLst>
+                              <p:par>
+                                <p:cTn id="20" presetID="10" presetClass="entr" presetSubtype="0" fill="hold" nodeType="clickEffect">
+                                  <p:stCondLst>
+                                    <p:cond delay="0"/>
+                                  </p:stCondLst>
+                                  <p:childTnLst>
+                                    <p:set>
+                                      <p:cBhvr>
+                                        <p:cTn id="21" dur="1" fill="hold">
+                                          <p:stCondLst>
+                                            <p:cond delay="0"/>
+                                          </p:stCondLst>
+                                        </p:cTn>
+                                        <p:tgtEl>
+                                          <p:spTgt spid="31"/>
+                                        </p:tgtEl>
+                                        <p:attrNameLst>
+                                          <p:attrName>style.visibility</p:attrName>
+                                        </p:attrNameLst>
+                                      </p:cBhvr>
+                                      <p:to>
+                                        <p:strVal val="visible"/>
+                                      </p:to>
+                                    </p:set>
+                                    <p:animEffect transition="in" filter="fade">
+                                      <p:cBhvr>
+                                        <p:cTn id="22" dur="500"/>
+                                        <p:tgtEl>
+                                          <p:spTgt spid="31"/>
+                                        </p:tgtEl>
+                                      </p:cBhvr>
+                                    </p:animEffect>
+                                  </p:childTnLst>
+                                </p:cTn>
+                              </p:par>
+                            </p:childTnLst>
+                          </p:cTn>
+                        </p:par>
+                      </p:childTnLst>
+                    </p:cTn>
+                  </p:par>
+                  <p:par>
+                    <p:cTn id="23" fill="hold">
+                      <p:stCondLst>
+                        <p:cond delay="indefinite"/>
+                      </p:stCondLst>
+                      <p:childTnLst>
+                        <p:par>
+                          <p:cTn id="24" fill="hold">
+                            <p:stCondLst>
+                              <p:cond delay="0"/>
+                            </p:stCondLst>
+                            <p:childTnLst>
+                              <p:par>
+                                <p:cTn id="25" presetID="10" presetClass="entr" presetSubtype="0" fill="hold" nodeType="clickEffect">
+                                  <p:stCondLst>
+                                    <p:cond delay="0"/>
+                                  </p:stCondLst>
+                                  <p:childTnLst>
+                                    <p:set>
+                                      <p:cBhvr>
+                                        <p:cTn id="26" dur="1" fill="hold">
+                                          <p:stCondLst>
+                                            <p:cond delay="0"/>
+                                          </p:stCondLst>
+                                        </p:cTn>
+                                        <p:tgtEl>
+                                          <p:spTgt spid="35"/>
+                                        </p:tgtEl>
+                                        <p:attrNameLst>
+                                          <p:attrName>style.visibility</p:attrName>
+                                        </p:attrNameLst>
+                                      </p:cBhvr>
+                                      <p:to>
+                                        <p:strVal val="visible"/>
+                                      </p:to>
+                                    </p:set>
+                                    <p:animEffect transition="in" filter="fade">
+                                      <p:cBhvr>
+                                        <p:cTn id="27" dur="500"/>
+                                        <p:tgtEl>
+                                          <p:spTgt spid="35"/>
+                                        </p:tgtEl>
+                                      </p:cBhvr>
+                                    </p:animEffect>
+                                  </p:childTnLst>
+                                </p:cTn>
+                              </p:par>
+                            </p:childTnLst>
+                          </p:cTn>
+                        </p:par>
+                      </p:childTnLst>
+                    </p:cTn>
+                  </p:par>
+                  <p:par>
+                    <p:cTn id="28" fill="hold">
+                      <p:stCondLst>
+                        <p:cond delay="indefinite"/>
+                      </p:stCondLst>
+                      <p:childTnLst>
+                        <p:par>
+                          <p:cTn id="29" fill="hold">
+                            <p:stCondLst>
+                              <p:cond delay="0"/>
+                            </p:stCondLst>
+                            <p:childTnLst>
+                              <p:par>
+                                <p:cTn id="30" presetID="10" presetClass="entr" presetSubtype="0" fill="hold" nodeType="clickEffect">
+                                  <p:stCondLst>
+                                    <p:cond delay="0"/>
+                                  </p:stCondLst>
+                                  <p:childTnLst>
+                                    <p:set>
+                                      <p:cBhvr>
+                                        <p:cTn id="31" dur="1" fill="hold">
+                                          <p:stCondLst>
+                                            <p:cond delay="0"/>
+                                          </p:stCondLst>
+                                        </p:cTn>
+                                        <p:tgtEl>
+                                          <p:spTgt spid="40"/>
+                                        </p:tgtEl>
+                                        <p:attrNameLst>
+                                          <p:attrName>style.visibility</p:attrName>
+                                        </p:attrNameLst>
+                                      </p:cBhvr>
+                                      <p:to>
+                                        <p:strVal val="visible"/>
+                                      </p:to>
+                                    </p:set>
+                                    <p:animEffect transition="in" filter="fade">
+                                      <p:cBhvr>
+                                        <p:cTn id="32" dur="500"/>
+                                        <p:tgtEl>
+                                          <p:spTgt spid="40"/>
+                                        </p:tgtEl>
+                                      </p:cBhvr>
+                                    </p:animEffect>
+                                  </p:childTnLst>
+                                </p:cTn>
+                              </p:par>
+                            </p:childTnLst>
+                          </p:cTn>
+                        </p:par>
+                      </p:childTnLst>
+                    </p:cTn>
+                  </p:par>
+                  <p:par>
+                    <p:cTn id="33" fill="hold">
+                      <p:stCondLst>
+                        <p:cond delay="indefinite"/>
+                      </p:stCondLst>
+                      <p:childTnLst>
+                        <p:par>
+                          <p:cTn id="34" fill="hold">
+                            <p:stCondLst>
+                              <p:cond delay="0"/>
+                            </p:stCondLst>
+                            <p:childTnLst>
+                              <p:par>
+                                <p:cTn id="35" presetID="10" presetClass="entr" presetSubtype="0" fill="hold" nodeType="clickEffect">
+                                  <p:stCondLst>
+                                    <p:cond delay="0"/>
+                                  </p:stCondLst>
+                                  <p:childTnLst>
+                                    <p:set>
+                                      <p:cBhvr>
+                                        <p:cTn id="36" dur="1" fill="hold">
+                                          <p:stCondLst>
+                                            <p:cond delay="0"/>
+                                          </p:stCondLst>
+                                        </p:cTn>
+                                        <p:tgtEl>
+                                          <p:spTgt spid="50"/>
+                                        </p:tgtEl>
+                                        <p:attrNameLst>
+                                          <p:attrName>style.visibility</p:attrName>
+                                        </p:attrNameLst>
+                                      </p:cBhvr>
+                                      <p:to>
+                                        <p:strVal val="visible"/>
+                                      </p:to>
+                                    </p:set>
+                                    <p:animEffect transition="in" filter="fade">
+                                      <p:cBhvr>
+                                        <p:cTn id="37" dur="500"/>
+                                        <p:tgtEl>
+                                          <p:spTgt spid="50"/>
+                                        </p:tgtEl>
+                                      </p:cBhvr>
+                                    </p:animEffect>
+                                  </p:childTnLst>
+                                </p:cTn>
+                              </p:par>
+                            </p:childTnLst>
+                          </p:cTn>
+                        </p:par>
+                      </p:childTnLst>
+                    </p:cTn>
+                  </p:par>
+                  <p:par>
+                    <p:cTn id="38" fill="hold">
+                      <p:stCondLst>
+                        <p:cond delay="indefinite"/>
+                      </p:stCondLst>
+                      <p:childTnLst>
+                        <p:par>
+                          <p:cTn id="39" fill="hold">
+                            <p:stCondLst>
+                              <p:cond delay="0"/>
+                            </p:stCondLst>
+                            <p:childTnLst>
+                              <p:par>
+                                <p:cTn id="40" presetID="10" presetClass="entr" presetSubtype="0" fill="hold" nodeType="clickEffect">
+                                  <p:stCondLst>
+                                    <p:cond delay="0"/>
+                                  </p:stCondLst>
+                                  <p:childTnLst>
+                                    <p:set>
+                                      <p:cBhvr>
+                                        <p:cTn id="41" dur="1" fill="hold">
+                                          <p:stCondLst>
+                                            <p:cond delay="0"/>
+                                          </p:stCondLst>
+                                        </p:cTn>
+                                        <p:tgtEl>
+                                          <p:spTgt spid="56"/>
+                                        </p:tgtEl>
+                                        <p:attrNameLst>
+                                          <p:attrName>style.visibility</p:attrName>
+                                        </p:attrNameLst>
+                                      </p:cBhvr>
+                                      <p:to>
+                                        <p:strVal val="visible"/>
+                                      </p:to>
+                                    </p:set>
+                                    <p:animEffect transition="in" filter="fade">
+                                      <p:cBhvr>
+                                        <p:cTn id="42" dur="500"/>
+                                        <p:tgtEl>
+                                          <p:spTgt spid="56"/>
+                                        </p:tgtEl>
+                                      </p:cBhvr>
+                                    </p:animEffect>
+                                  </p:childTnLst>
+                                </p:cTn>
+                              </p:par>
+                            </p:childTnLst>
+                          </p:cTn>
+                        </p:par>
+                      </p:childTnLst>
+                    </p:cTn>
+                  </p:par>
+                  <p:par>
+                    <p:cTn id="43" fill="hold">
+                      <p:stCondLst>
+                        <p:cond delay="indefinite"/>
+                      </p:stCondLst>
+                      <p:childTnLst>
+                        <p:par>
+                          <p:cTn id="44" fill="hold">
+                            <p:stCondLst>
+                              <p:cond delay="0"/>
+                            </p:stCondLst>
+                            <p:childTnLst>
+                              <p:par>
+                                <p:cTn id="45" presetID="10" presetClass="entr" presetSubtype="0" fill="hold" nodeType="clickEffect">
+                                  <p:stCondLst>
+                                    <p:cond delay="0"/>
+                                  </p:stCondLst>
+                                  <p:childTnLst>
+                                    <p:set>
+                                      <p:cBhvr>
+                                        <p:cTn id="46" dur="1" fill="hold">
+                                          <p:stCondLst>
+                                            <p:cond delay="0"/>
+                                          </p:stCondLst>
+                                        </p:cTn>
+                                        <p:tgtEl>
+                                          <p:spTgt spid="60"/>
+                                        </p:tgtEl>
+                                        <p:attrNameLst>
+                                          <p:attrName>style.visibility</p:attrName>
+                                        </p:attrNameLst>
+                                      </p:cBhvr>
+                                      <p:to>
+                                        <p:strVal val="visible"/>
+                                      </p:to>
+                                    </p:set>
+                                    <p:animEffect transition="in" filter="fade">
+                                      <p:cBhvr>
+                                        <p:cTn id="47" dur="500"/>
+                                        <p:tgtEl>
+                                          <p:spTgt spid="60"/>
+                                        </p:tgtEl>
+                                      </p:cBhvr>
+                                    </p:animEffect>
+                                  </p:childTnLst>
+                                </p:cTn>
+                              </p:par>
+                            </p:childTnLst>
+                          </p:cTn>
+                        </p:par>
+                      </p:childTnLst>
+                    </p:cTn>
+                  </p:par>
+                  <p:par>
+                    <p:cTn id="48" fill="hold">
+                      <p:stCondLst>
+                        <p:cond delay="indefinite"/>
+                      </p:stCondLst>
+                      <p:childTnLst>
+                        <p:par>
+                          <p:cTn id="49" fill="hold">
+                            <p:stCondLst>
+                              <p:cond delay="0"/>
+                            </p:stCondLst>
+                            <p:childTnLst>
+                              <p:par>
+                                <p:cTn id="50" presetID="10" presetClass="entr" presetSubtype="0" fill="hold" nodeType="clickEffect">
+                                  <p:stCondLst>
+                                    <p:cond delay="0"/>
+                                  </p:stCondLst>
+                                  <p:childTnLst>
+                                    <p:set>
+                                      <p:cBhvr>
+                                        <p:cTn id="51" dur="1" fill="hold">
+                                          <p:stCondLst>
+                                            <p:cond delay="0"/>
+                                          </p:stCondLst>
+                                        </p:cTn>
+                                        <p:tgtEl>
+                                          <p:spTgt spid="64"/>
+                                        </p:tgtEl>
+                                        <p:attrNameLst>
+                                          <p:attrName>style.visibility</p:attrName>
+                                        </p:attrNameLst>
+                                      </p:cBhvr>
+                                      <p:to>
+                                        <p:strVal val="visible"/>
+                                      </p:to>
+                                    </p:set>
+                                    <p:animEffect transition="in" filter="fade">
+                                      <p:cBhvr>
+                                        <p:cTn id="52" dur="500"/>
+                                        <p:tgtEl>
+                                          <p:spTgt spid="64"/>
+                                        </p:tgtEl>
+                                      </p:cBhvr>
+                                    </p:animEffect>
+                                  </p:childTnLst>
+                                </p:cTn>
+                              </p:par>
+                            </p:childTnLst>
+                          </p:cTn>
+                        </p:par>
+                      </p:childTnLst>
+                    </p:cTn>
+                  </p:par>
+                </p:childTnLst>
+              </p:cTn>
+              <p:prevCondLst>
+                <p:cond evt="onPrev" delay="0">
+                  <p:tgtEl>
+                    <p:sldTgt/>
+                  </p:tgtEl>
+                </p:cond>
+              </p:prevCondLst>
+              <p:nextCondLst>
+                <p:cond evt="onNext" delay="0">
+                  <p:tgtEl>
+                    <p:sldTgt/>
+                  </p:tgtEl>
+                </p:cond>
+              </p:nextCondLst>
+            </p:seq>
+          </p:childTnLst>
+        </p:cTn>
       </p:par>
     </p:tnLst>
   </p:timing>
@@ -20698,7 +23124,7 @@
           <a:p>
             <a:r>
               <a:rPr lang="en-US" altLang="zh-CN" b="1" dirty="0" smtClean="0"/>
-              <a:t>Experiment</a:t>
+              <a:t>Experiment 1</a:t>
             </a:r>
             <a:endParaRPr lang="zh-CN" altLang="en-US" b="1" dirty="0"/>
           </a:p>
@@ -20719,14 +23145,166 @@
           <a:bodyPr/>
           <a:lstStyle/>
           <a:p>
-            <a:r>
-              <a:rPr lang="zh-CN" altLang="en-US" sz="1800" b="1" dirty="0" smtClean="0">
+            <a:endParaRPr lang="en-US" altLang="zh-CN" sz="2400" b="1" dirty="0" smtClean="0">
+              <a:latin typeface="Times New Roman" panose="02020603050405020304" pitchFamily="18" charset="0"/>
+              <a:cs typeface="Times New Roman" panose="02020603050405020304" pitchFamily="18" charset="0"/>
+            </a:endParaRPr>
+          </a:p>
+          <a:p>
+            <a:endParaRPr lang="en-US" altLang="zh-CN" sz="2400" b="1" dirty="0" smtClean="0">
+              <a:latin typeface="Times New Roman" panose="02020603050405020304" pitchFamily="18" charset="0"/>
+              <a:cs typeface="Times New Roman" panose="02020603050405020304" pitchFamily="18" charset="0"/>
+            </a:endParaRPr>
+          </a:p>
+          <a:p>
+            <a:r>
+              <a:rPr lang="en-US" altLang="zh-CN" sz="2400" b="1" dirty="0" smtClean="0">
                 <a:latin typeface="Times New Roman" panose="02020603050405020304" pitchFamily="18" charset="0"/>
                 <a:cs typeface="Times New Roman" panose="02020603050405020304" pitchFamily="18" charset="0"/>
               </a:rPr>
-              <a:t>介绍各种策略</a:t>
-            </a:r>
-            <a:endParaRPr lang="zh-CN" altLang="en-US" sz="1800" b="1" dirty="0">
+              <a:t>BL : </a:t>
+            </a:r>
+            <a:r>
+              <a:rPr lang="en-US" altLang="zh-CN" sz="2400" dirty="0" smtClean="0">
+                <a:latin typeface="Times New Roman" panose="02020603050405020304" pitchFamily="18" charset="0"/>
+                <a:cs typeface="Times New Roman" panose="02020603050405020304" pitchFamily="18" charset="0"/>
+              </a:rPr>
+              <a:t>Baseline Architecture</a:t>
+            </a:r>
+          </a:p>
+          <a:p>
+            <a:r>
+              <a:rPr lang="en-US" altLang="zh-CN" sz="2400" b="1" dirty="0" smtClean="0">
+                <a:latin typeface="Times New Roman" panose="02020603050405020304" pitchFamily="18" charset="0"/>
+                <a:cs typeface="Times New Roman" panose="02020603050405020304" pitchFamily="18" charset="0"/>
+              </a:rPr>
+              <a:t>BALL : </a:t>
+            </a:r>
+            <a:r>
+              <a:rPr lang="en-US" altLang="zh-CN" sz="2400" dirty="0" smtClean="0">
+                <a:latin typeface="Times New Roman" panose="02020603050405020304" pitchFamily="18" charset="0"/>
+                <a:cs typeface="Times New Roman" panose="02020603050405020304" pitchFamily="18" charset="0"/>
+              </a:rPr>
+              <a:t>Bypass all memory accesses</a:t>
+            </a:r>
+          </a:p>
+          <a:p>
+            <a:r>
+              <a:rPr lang="en-US" altLang="zh-CN" sz="2400" b="1" dirty="0" smtClean="0">
+                <a:latin typeface="Times New Roman" panose="02020603050405020304" pitchFamily="18" charset="0"/>
+                <a:cs typeface="Times New Roman" panose="02020603050405020304" pitchFamily="18" charset="0"/>
+              </a:rPr>
+              <a:t>Profiled-BYPASS : </a:t>
+            </a:r>
+            <a:r>
+              <a:rPr lang="en-US" altLang="zh-CN" sz="2400" dirty="0" smtClean="0">
+                <a:latin typeface="Times New Roman" panose="02020603050405020304" pitchFamily="18" charset="0"/>
+                <a:cs typeface="Times New Roman" panose="02020603050405020304" pitchFamily="18" charset="0"/>
+              </a:rPr>
+              <a:t>fine-grained L1 Bypass(software filter)</a:t>
+            </a:r>
+            <a:endParaRPr lang="en-US" altLang="zh-CN" sz="2400" b="1" dirty="0" smtClean="0">
+              <a:latin typeface="Times New Roman" panose="02020603050405020304" pitchFamily="18" charset="0"/>
+              <a:cs typeface="Times New Roman" panose="02020603050405020304" pitchFamily="18" charset="0"/>
+            </a:endParaRPr>
+          </a:p>
+          <a:p>
+            <a:r>
+              <a:rPr lang="en-US" altLang="zh-CN" sz="2400" b="1" dirty="0" smtClean="0">
+                <a:latin typeface="Times New Roman" panose="02020603050405020304" pitchFamily="18" charset="0"/>
+                <a:cs typeface="Times New Roman" panose="02020603050405020304" pitchFamily="18" charset="0"/>
+              </a:rPr>
+              <a:t>MRPB : </a:t>
+            </a:r>
+            <a:r>
+              <a:rPr lang="en-US" altLang="zh-CN" sz="2400" dirty="0" smtClean="0">
+                <a:latin typeface="Times New Roman" panose="02020603050405020304" pitchFamily="18" charset="0"/>
+                <a:cs typeface="Times New Roman" panose="02020603050405020304" pitchFamily="18" charset="0"/>
+              </a:rPr>
+              <a:t>when a pipeline stall, Bypass</a:t>
+            </a:r>
+          </a:p>
+          <a:p>
+            <a:r>
+              <a:rPr lang="en-US" altLang="zh-CN" sz="2400" b="1" dirty="0" smtClean="0">
+                <a:latin typeface="Times New Roman" panose="02020603050405020304" pitchFamily="18" charset="0"/>
+                <a:cs typeface="Times New Roman" panose="02020603050405020304" pitchFamily="18" charset="0"/>
+              </a:rPr>
+              <a:t>PDP-Best : </a:t>
+            </a:r>
+            <a:r>
+              <a:rPr lang="en-US" altLang="zh-CN" sz="2400" dirty="0" smtClean="0">
+                <a:latin typeface="Times New Roman" panose="02020603050405020304" pitchFamily="18" charset="0"/>
+                <a:cs typeface="Times New Roman" panose="02020603050405020304" pitchFamily="18" charset="0"/>
+              </a:rPr>
+              <a:t>best static PDP-Bypass</a:t>
+            </a:r>
+            <a:endParaRPr lang="en-US" altLang="zh-CN" sz="2400" b="1" dirty="0" smtClean="0">
+              <a:latin typeface="Times New Roman" panose="02020603050405020304" pitchFamily="18" charset="0"/>
+              <a:cs typeface="Times New Roman" panose="02020603050405020304" pitchFamily="18" charset="0"/>
+            </a:endParaRPr>
+          </a:p>
+          <a:p>
+            <a:endParaRPr lang="zh-CN" altLang="en-US" sz="2400" b="1" dirty="0">
+              <a:latin typeface="Times New Roman" panose="02020603050405020304" pitchFamily="18" charset="0"/>
+              <a:cs typeface="Times New Roman" panose="02020603050405020304" pitchFamily="18" charset="0"/>
+            </a:endParaRPr>
+          </a:p>
+        </p:txBody>
+      </p:sp>
+      <p:sp>
+        <p:nvSpPr>
+          <p:cNvPr id="4" name="五边形 3"/>
+          <p:cNvSpPr/>
+          <p:nvPr/>
+        </p:nvSpPr>
+        <p:spPr>
+          <a:xfrm>
+            <a:off x="609600" y="981075"/>
+            <a:ext cx="1511300" cy="492883"/>
+          </a:xfrm>
+          <a:prstGeom prst="homePlate">
+            <a:avLst/>
+          </a:prstGeom>
+          <a:solidFill>
+            <a:schemeClr val="tx1">
+              <a:lumMod val="95000"/>
+              <a:lumOff val="5000"/>
+            </a:schemeClr>
+          </a:solidFill>
+          <a:ln>
+            <a:noFill/>
+          </a:ln>
+        </p:spPr>
+        <p:style>
+          <a:lnRef idx="2">
+            <a:schemeClr val="accent1">
+              <a:shade val="50000"/>
+            </a:schemeClr>
+          </a:lnRef>
+          <a:fillRef idx="1">
+            <a:schemeClr val="accent1"/>
+          </a:fillRef>
+          <a:effectRef idx="0">
+            <a:schemeClr val="accent1"/>
+          </a:effectRef>
+          <a:fontRef idx="minor">
+            <a:schemeClr val="lt1"/>
+          </a:fontRef>
+        </p:style>
+        <p:txBody>
+          <a:bodyPr rtlCol="0" anchor="ctr"/>
+          <a:lstStyle/>
+          <a:p>
+            <a:pPr algn="ctr"/>
+            <a:r>
+              <a:rPr lang="en-US" altLang="zh-CN" sz="2000" dirty="0" smtClean="0">
+                <a:latin typeface="Times New Roman" panose="02020603050405020304" pitchFamily="18" charset="0"/>
+                <a:cs typeface="Times New Roman" panose="02020603050405020304" pitchFamily="18" charset="0"/>
+              </a:rPr>
+              <a:t>Schemes</a:t>
+            </a:r>
+            <a:endParaRPr lang="en-US" altLang="zh-CN" sz="2000" dirty="0">
               <a:latin typeface="Times New Roman" panose="02020603050405020304" pitchFamily="18" charset="0"/>
               <a:cs typeface="Times New Roman" panose="02020603050405020304" pitchFamily="18" charset="0"/>
             </a:endParaRPr>
@@ -20808,27 +23386,6 @@
           <a:bodyPr/>
           <a:lstStyle/>
           <a:p>
-            <a:r>
-              <a:rPr lang="zh-CN" altLang="en-US" sz="1800" b="1" dirty="0" smtClean="0">
-                <a:latin typeface="Times New Roman" panose="02020603050405020304" pitchFamily="18" charset="0"/>
-                <a:cs typeface="Times New Roman" panose="02020603050405020304" pitchFamily="18" charset="0"/>
-              </a:rPr>
-              <a:t>对于</a:t>
-            </a:r>
-            <a:r>
-              <a:rPr lang="en-US" altLang="zh-CN" sz="1800" b="1" dirty="0" smtClean="0">
-                <a:latin typeface="Times New Roman" panose="02020603050405020304" pitchFamily="18" charset="0"/>
-                <a:cs typeface="Times New Roman" panose="02020603050405020304" pitchFamily="18" charset="0"/>
-              </a:rPr>
-              <a:t>CNF</a:t>
-            </a:r>
-            <a:r>
-              <a:rPr lang="zh-CN" altLang="en-US" sz="1800" b="1" dirty="0" smtClean="0">
-                <a:latin typeface="Times New Roman" panose="02020603050405020304" pitchFamily="18" charset="0"/>
-                <a:cs typeface="Times New Roman" panose="02020603050405020304" pitchFamily="18" charset="0"/>
-              </a:rPr>
-              <a:t>，对比各种策略，说明更好</a:t>
-            </a:r>
             <a:endParaRPr lang="zh-CN" altLang="en-US" sz="1800" b="1" dirty="0">
               <a:latin typeface="Times New Roman" panose="02020603050405020304" pitchFamily="18" charset="0"/>
               <a:cs typeface="Times New Roman" panose="02020603050405020304" pitchFamily="18" charset="0"/>
@@ -20852,8 +23409,8 @@
         </p:blipFill>
         <p:spPr>
           <a:xfrm>
-            <a:off x="1110730" y="1366483"/>
-            <a:ext cx="8828535" cy="5430103"/>
+            <a:off x="1816100" y="1087083"/>
+            <a:ext cx="7716765" cy="4746295"/>
           </a:xfrm>
           <a:prstGeom prst="rect">
             <a:avLst/>
@@ -20936,41 +23493,13 @@
           <a:lstStyle/>
           <a:p>
             <a:r>
-              <a:rPr lang="zh-CN" altLang="en-US" sz="1800" b="1" dirty="0" smtClean="0">
+              <a:rPr lang="en-US" altLang="zh-CN" sz="2400" b="1" dirty="0">
                 <a:latin typeface="Times New Roman" panose="02020603050405020304" pitchFamily="18" charset="0"/>
                 <a:cs typeface="Times New Roman" panose="02020603050405020304" pitchFamily="18" charset="0"/>
               </a:rPr>
-              <a:t>对于</a:t>
-            </a:r>
-            <a:r>
-              <a:rPr lang="en-US" altLang="zh-CN" sz="1800" b="1" dirty="0" smtClean="0">
-                <a:latin typeface="Times New Roman" panose="02020603050405020304" pitchFamily="18" charset="0"/>
-                <a:cs typeface="Times New Roman" panose="02020603050405020304" pitchFamily="18" charset="0"/>
-              </a:rPr>
-              <a:t>CF</a:t>
-            </a:r>
-            <a:r>
-              <a:rPr lang="zh-CN" altLang="en-US" sz="1800" b="1" dirty="0" smtClean="0">
-                <a:latin typeface="Times New Roman" panose="02020603050405020304" pitchFamily="18" charset="0"/>
-                <a:cs typeface="Times New Roman" panose="02020603050405020304" pitchFamily="18" charset="0"/>
-              </a:rPr>
-              <a:t>和</a:t>
-            </a:r>
-            <a:r>
-              <a:rPr lang="en-US" altLang="zh-CN" sz="1800" b="1" dirty="0" smtClean="0">
-                <a:latin typeface="Times New Roman" panose="02020603050405020304" pitchFamily="18" charset="0"/>
-                <a:cs typeface="Times New Roman" panose="02020603050405020304" pitchFamily="18" charset="0"/>
-              </a:rPr>
-              <a:t>CI</a:t>
-            </a:r>
-            <a:r>
-              <a:rPr lang="zh-CN" altLang="en-US" sz="1800" b="1" dirty="0" smtClean="0">
-                <a:latin typeface="Times New Roman" panose="02020603050405020304" pitchFamily="18" charset="0"/>
-                <a:cs typeface="Times New Roman" panose="02020603050405020304" pitchFamily="18" charset="0"/>
-              </a:rPr>
-              <a:t>，说明鲁棒性更好</a:t>
-            </a:r>
-            <a:endParaRPr lang="zh-CN" altLang="en-US" sz="1800" b="1" dirty="0">
+              <a:t>robustness</a:t>
+            </a:r>
+            <a:endParaRPr lang="zh-CN" altLang="en-US" sz="2400" b="1" dirty="0">
               <a:latin typeface="Times New Roman" panose="02020603050405020304" pitchFamily="18" charset="0"/>
               <a:cs typeface="Times New Roman" panose="02020603050405020304" pitchFamily="18" charset="0"/>
             </a:endParaRPr>
@@ -20993,8 +23522,8 @@
         </p:blipFill>
         <p:spPr>
           <a:xfrm>
-            <a:off x="1035168" y="1408207"/>
-            <a:ext cx="9439275" cy="5324475"/>
+            <a:off x="1640510" y="1662208"/>
+            <a:ext cx="8364033" cy="4717956"/>
           </a:xfrm>
           <a:prstGeom prst="rect">
             <a:avLst/>
@@ -21077,13 +23606,13 @@
           <a:lstStyle/>
           <a:p>
             <a:r>
-              <a:rPr lang="en-US" altLang="zh-CN" sz="1800" b="1" dirty="0" smtClean="0">
+              <a:rPr lang="en-US" altLang="zh-CN" sz="2000" b="1" dirty="0" smtClean="0">
                 <a:latin typeface="Times New Roman" panose="02020603050405020304" pitchFamily="18" charset="0"/>
                 <a:cs typeface="Times New Roman" panose="02020603050405020304" pitchFamily="18" charset="0"/>
               </a:rPr>
               <a:t>L1D hit rate</a:t>
             </a:r>
-            <a:endParaRPr lang="zh-CN" altLang="en-US" sz="1800" b="1" dirty="0">
+            <a:endParaRPr lang="zh-CN" altLang="en-US" sz="2000" b="1" dirty="0">
               <a:latin typeface="Times New Roman" panose="02020603050405020304" pitchFamily="18" charset="0"/>
               <a:cs typeface="Times New Roman" panose="02020603050405020304" pitchFamily="18" charset="0"/>
             </a:endParaRPr>
@@ -21190,48 +23719,126 @@
           <a:lstStyle/>
           <a:p>
             <a:r>
-              <a:rPr lang="en-US" altLang="zh-CN" sz="1800" b="1" dirty="0" smtClean="0">
+              <a:rPr lang="en-US" altLang="zh-CN" sz="2000" b="1" dirty="0" smtClean="0">
                 <a:latin typeface="Times New Roman" panose="02020603050405020304" pitchFamily="18" charset="0"/>
                 <a:cs typeface="Times New Roman" panose="02020603050405020304" pitchFamily="18" charset="0"/>
               </a:rPr>
-              <a:t>Decouple </a:t>
-            </a:r>
-            <a:r>
-              <a:rPr lang="zh-CN" altLang="en-US" sz="1800" b="1" dirty="0" smtClean="0">
+              <a:t>Cache replacement</a:t>
+            </a:r>
+            <a:endParaRPr lang="zh-CN" altLang="en-US" sz="2000" b="1" dirty="0">
+              <a:latin typeface="Times New Roman" panose="02020603050405020304" pitchFamily="18" charset="0"/>
+              <a:cs typeface="Times New Roman" panose="02020603050405020304" pitchFamily="18" charset="0"/>
+            </a:endParaRPr>
+          </a:p>
+        </p:txBody>
+      </p:sp>
+      <p:pic>
+        <p:nvPicPr>
+          <p:cNvPr id="5" name="图片 4"/>
+          <p:cNvPicPr>
+            <a:picLocks noChangeAspect="1"/>
+          </p:cNvPicPr>
+          <p:nvPr/>
+        </p:nvPicPr>
+        <p:blipFill>
+          <a:blip r:embed="rId2"/>
+          <a:stretch>
+            <a:fillRect/>
+          </a:stretch>
+        </p:blipFill>
+        <p:spPr>
+          <a:xfrm>
+            <a:off x="948703" y="1498979"/>
+            <a:ext cx="8970304" cy="5079242"/>
+          </a:xfrm>
+          <a:prstGeom prst="rect">
+            <a:avLst/>
+          </a:prstGeom>
+        </p:spPr>
+      </p:pic>
+    </p:spTree>
+    <p:extLst>
+      <p:ext uri="{BB962C8B-B14F-4D97-AF65-F5344CB8AC3E}">
+        <p14:creationId xmlns:p14="http://schemas.microsoft.com/office/powerpoint/2010/main" val="3517109118"/>
+      </p:ext>
+    </p:extLst>
+  </p:cSld>
+  <p:clrMapOvr>
+    <a:masterClrMapping/>
+  </p:clrMapOvr>
+  <p:timing>
+    <p:tnLst>
+      <p:par>
+        <p:cTn id="1" dur="indefinite" restart="never" nodeType="tmRoot"/>
+      </p:par>
+    </p:tnLst>
+  </p:timing>
+</p:sld>
+</file>
+
+<file path=ppt/slides/slide19.xml><?xml version="1.0" encoding="utf-8"?>
+<p:sld xmlns:a="http://schemas.openxmlformats.org/drawingml/2006/main" xmlns:r="http://schemas.openxmlformats.org/officeDocument/2006/relationships" xmlns:p="http://schemas.openxmlformats.org/presentationml/2006/main">
+  <p:cSld>
+    <p:spTree>
+      <p:nvGrpSpPr>
+        <p:cNvPr id="1" name=""/>
+        <p:cNvGrpSpPr/>
+        <p:nvPr/>
+      </p:nvGrpSpPr>
+      <p:grpSpPr>
+        <a:xfrm>
+          <a:off x="0" y="0"/>
+          <a:ext cx="0" cy="0"/>
+          <a:chOff x="0" y="0"/>
+          <a:chExt cx="0" cy="0"/>
+        </a:xfrm>
+      </p:grpSpPr>
+      <p:sp>
+        <p:nvSpPr>
+          <p:cNvPr id="2" name="标题 1"/>
+          <p:cNvSpPr>
+            <a:spLocks noGrp="1"/>
+          </p:cNvSpPr>
+          <p:nvPr>
+            <p:ph type="title"/>
+          </p:nvPr>
+        </p:nvSpPr>
+        <p:spPr/>
+        <p:txBody>
+          <a:bodyPr/>
+          <a:lstStyle/>
+          <a:p>
+            <a:r>
+              <a:rPr lang="en-US" altLang="zh-CN" b="1" dirty="0" smtClean="0"/>
+              <a:t>Experiment 5</a:t>
+            </a:r>
+            <a:endParaRPr lang="zh-CN" altLang="en-US" b="1" dirty="0"/>
+          </a:p>
+        </p:txBody>
+      </p:sp>
+      <p:sp>
+        <p:nvSpPr>
+          <p:cNvPr id="3" name="文本占位符 2"/>
+          <p:cNvSpPr>
+            <a:spLocks noGrp="1"/>
+          </p:cNvSpPr>
+          <p:nvPr>
+            <p:ph type="body" idx="1"/>
+          </p:nvPr>
+        </p:nvSpPr>
+        <p:spPr/>
+        <p:txBody>
+          <a:bodyPr/>
+          <a:lstStyle/>
+          <a:p>
+            <a:r>
+              <a:rPr lang="en-US" altLang="zh-CN" sz="2000" b="1" dirty="0" smtClean="0">
                 <a:latin typeface="Times New Roman" panose="02020603050405020304" pitchFamily="18" charset="0"/>
                 <a:cs typeface="Times New Roman" panose="02020603050405020304" pitchFamily="18" charset="0"/>
               </a:rPr>
-              <a:t>能够让</a:t>
-            </a:r>
-            <a:r>
-              <a:rPr lang="en-US" altLang="zh-CN" sz="1800" b="1" dirty="0" smtClean="0">
-                <a:latin typeface="Times New Roman" panose="02020603050405020304" pitchFamily="18" charset="0"/>
-                <a:cs typeface="Times New Roman" panose="02020603050405020304" pitchFamily="18" charset="0"/>
-              </a:rPr>
-              <a:t>CNF</a:t>
-            </a:r>
-            <a:r>
-              <a:rPr lang="zh-CN" altLang="en-US" sz="1800" b="1" dirty="0" smtClean="0">
-                <a:latin typeface="Times New Roman" panose="02020603050405020304" pitchFamily="18" charset="0"/>
-                <a:cs typeface="Times New Roman" panose="02020603050405020304" pitchFamily="18" charset="0"/>
-              </a:rPr>
-              <a:t>向</a:t>
-            </a:r>
-            <a:r>
-              <a:rPr lang="en-US" altLang="zh-CN" sz="1800" b="1" dirty="0" smtClean="0">
-                <a:latin typeface="Times New Roman" panose="02020603050405020304" pitchFamily="18" charset="0"/>
-                <a:cs typeface="Times New Roman" panose="02020603050405020304" pitchFamily="18" charset="0"/>
-              </a:rPr>
-              <a:t>CF</a:t>
-            </a:r>
-            <a:r>
-              <a:rPr lang="zh-CN" altLang="en-US" sz="1800" b="1" dirty="0" smtClean="0">
-                <a:latin typeface="Times New Roman" panose="02020603050405020304" pitchFamily="18" charset="0"/>
-                <a:cs typeface="Times New Roman" panose="02020603050405020304" pitchFamily="18" charset="0"/>
-              </a:rPr>
-              <a:t>靠近</a:t>
-            </a:r>
-            <a:endParaRPr lang="zh-CN" altLang="en-US" sz="1800" b="1" dirty="0">
+              <a:t>Shaping Cache-Friendly Memory Access</a:t>
+            </a:r>
+            <a:endParaRPr lang="zh-CN" altLang="en-US" sz="2000" b="1" dirty="0">
               <a:latin typeface="Times New Roman" panose="02020603050405020304" pitchFamily="18" charset="0"/>
               <a:cs typeface="Times New Roman" panose="02020603050405020304" pitchFamily="18" charset="0"/>
             </a:endParaRPr>
@@ -21282,147 +23889,6 @@
 </p:sld>
 </file>
 
-<file path=ppt/slides/slide19.xml><?xml version="1.0" encoding="utf-8"?>
-<p:sld xmlns:a="http://schemas.openxmlformats.org/drawingml/2006/main" xmlns:r="http://schemas.openxmlformats.org/officeDocument/2006/relationships" xmlns:p="http://schemas.openxmlformats.org/presentationml/2006/main">
-  <p:cSld>
-    <p:spTree>
-      <p:nvGrpSpPr>
-        <p:cNvPr id="1" name=""/>
-        <p:cNvGrpSpPr/>
-        <p:nvPr/>
-      </p:nvGrpSpPr>
-      <p:grpSpPr>
-        <a:xfrm>
-          <a:off x="0" y="0"/>
-          <a:ext cx="0" cy="0"/>
-          <a:chOff x="0" y="0"/>
-          <a:chExt cx="0" cy="0"/>
-        </a:xfrm>
-      </p:grpSpPr>
-      <p:sp>
-        <p:nvSpPr>
-          <p:cNvPr id="2" name="标题 1"/>
-          <p:cNvSpPr>
-            <a:spLocks noGrp="1"/>
-          </p:cNvSpPr>
-          <p:nvPr>
-            <p:ph type="title"/>
-          </p:nvPr>
-        </p:nvSpPr>
-        <p:spPr/>
-        <p:txBody>
-          <a:bodyPr/>
-          <a:lstStyle/>
-          <a:p>
-            <a:r>
-              <a:rPr lang="en-US" altLang="zh-CN" b="1" dirty="0" smtClean="0"/>
-              <a:t>Experiment 5</a:t>
-            </a:r>
-            <a:endParaRPr lang="zh-CN" altLang="en-US" b="1" dirty="0"/>
-          </a:p>
-        </p:txBody>
-      </p:sp>
-      <p:sp>
-        <p:nvSpPr>
-          <p:cNvPr id="3" name="文本占位符 2"/>
-          <p:cNvSpPr>
-            <a:spLocks noGrp="1"/>
-          </p:cNvSpPr>
-          <p:nvPr>
-            <p:ph type="body" idx="1"/>
-          </p:nvPr>
-        </p:nvSpPr>
-        <p:spPr/>
-        <p:txBody>
-          <a:bodyPr/>
-          <a:lstStyle/>
-          <a:p>
-            <a:r>
-              <a:rPr lang="en-US" altLang="zh-CN" sz="1800" b="1" dirty="0" smtClean="0">
-                <a:latin typeface="Times New Roman" panose="02020603050405020304" pitchFamily="18" charset="0"/>
-                <a:cs typeface="Times New Roman" panose="02020603050405020304" pitchFamily="18" charset="0"/>
-              </a:rPr>
-              <a:t>Decouple L1D </a:t>
-            </a:r>
-            <a:r>
-              <a:rPr lang="zh-CN" altLang="en-US" sz="1800" b="1" dirty="0" smtClean="0">
-                <a:latin typeface="Times New Roman" panose="02020603050405020304" pitchFamily="18" charset="0"/>
-                <a:cs typeface="Times New Roman" panose="02020603050405020304" pitchFamily="18" charset="0"/>
-              </a:rPr>
-              <a:t>比 高级的 </a:t>
-            </a:r>
-            <a:r>
-              <a:rPr lang="en-US" altLang="zh-CN" sz="1800" b="1" dirty="0" smtClean="0">
-                <a:latin typeface="Times New Roman" panose="02020603050405020304" pitchFamily="18" charset="0"/>
-                <a:cs typeface="Times New Roman" panose="02020603050405020304" pitchFamily="18" charset="0"/>
-              </a:rPr>
-              <a:t>Cache replacement </a:t>
-            </a:r>
-            <a:r>
-              <a:rPr lang="zh-CN" altLang="en-US" sz="1800" b="1" dirty="0">
-                <a:latin typeface="Times New Roman" panose="02020603050405020304" pitchFamily="18" charset="0"/>
-                <a:cs typeface="Times New Roman" panose="02020603050405020304" pitchFamily="18" charset="0"/>
-              </a:rPr>
-              <a:t>更有效</a:t>
-            </a:r>
-            <a:r>
-              <a:rPr lang="en-US" altLang="zh-CN" sz="1800" b="1" dirty="0" smtClean="0">
-                <a:latin typeface="Times New Roman" panose="02020603050405020304" pitchFamily="18" charset="0"/>
-                <a:cs typeface="Times New Roman" panose="02020603050405020304" pitchFamily="18" charset="0"/>
-              </a:rPr>
-              <a:t> </a:t>
-            </a:r>
-            <a:endParaRPr lang="zh-CN" altLang="en-US" sz="1800" b="1" dirty="0">
-              <a:latin typeface="Times New Roman" panose="02020603050405020304" pitchFamily="18" charset="0"/>
-              <a:cs typeface="Times New Roman" panose="02020603050405020304" pitchFamily="18" charset="0"/>
-            </a:endParaRPr>
-          </a:p>
-        </p:txBody>
-      </p:sp>
-      <p:pic>
-        <p:nvPicPr>
-          <p:cNvPr id="5" name="图片 4"/>
-          <p:cNvPicPr>
-            <a:picLocks noChangeAspect="1"/>
-          </p:cNvPicPr>
-          <p:nvPr/>
-        </p:nvPicPr>
-        <p:blipFill>
-          <a:blip r:embed="rId2"/>
-          <a:stretch>
-            <a:fillRect/>
-          </a:stretch>
-        </p:blipFill>
-        <p:spPr>
-          <a:xfrm>
-            <a:off x="948703" y="1498979"/>
-            <a:ext cx="8970304" cy="5079242"/>
-          </a:xfrm>
-          <a:prstGeom prst="rect">
-            <a:avLst/>
-          </a:prstGeom>
-        </p:spPr>
-      </p:pic>
-    </p:spTree>
-    <p:extLst>
-      <p:ext uri="{BB962C8B-B14F-4D97-AF65-F5344CB8AC3E}">
-        <p14:creationId xmlns:p14="http://schemas.microsoft.com/office/powerpoint/2010/main" val="1236558119"/>
-      </p:ext>
-    </p:extLst>
-  </p:cSld>
-  <p:clrMapOvr>
-    <a:masterClrMapping/>
-  </p:clrMapOvr>
-  <p:timing>
-    <p:tnLst>
-      <p:par>
-        <p:cTn id="1" dur="indefinite" restart="never" nodeType="tmRoot"/>
-      </p:par>
-    </p:tnLst>
-  </p:timing>
-</p:sld>
-</file>
-
 <file path=ppt/slides/slide2.xml><?xml version="1.0" encoding="utf-8"?>
 <p:sld xmlns:a="http://schemas.openxmlformats.org/drawingml/2006/main" xmlns:r="http://schemas.openxmlformats.org/officeDocument/2006/relationships" xmlns:p="http://schemas.openxmlformats.org/presentationml/2006/main">
   <p:cSld>
@@ -21483,11 +23949,7 @@
           <a:p>
             <a:r>
               <a:rPr lang="en-US" altLang="zh-CN" sz="2800" dirty="0" smtClean="0"/>
-              <a:t>CBWT </a:t>
-            </a:r>
-            <a:r>
-              <a:rPr lang="en-US" altLang="zh-CN" sz="2800" dirty="0" smtClean="0"/>
-              <a:t>review</a:t>
+              <a:t>CBWT review</a:t>
             </a:r>
           </a:p>
           <a:p>
@@ -21524,7 +23986,16 @@
           <a:p>
             <a:r>
               <a:rPr lang="en-US" altLang="zh-CN" sz="2800" dirty="0" smtClean="0"/>
-              <a:t>Design Space Exploration</a:t>
+              <a:t>Design Space Exploration &amp;&amp; Sensitivity to L1 D-cache Sizes &amp;&amp;</a:t>
+            </a:r>
+          </a:p>
+          <a:p>
+            <a:pPr marL="0" indent="0">
+              <a:buNone/>
+            </a:pPr>
+            <a:r>
+              <a:rPr lang="en-US" altLang="zh-CN" sz="2800" dirty="0" smtClean="0"/>
+              <a:t>Sensitivity to Warp Scheduling Policies</a:t>
             </a:r>
           </a:p>
           <a:p>
@@ -21616,145 +24087,13 @@
           <a:lstStyle/>
           <a:p>
             <a:r>
-              <a:rPr lang="en-US" altLang="zh-CN" sz="1800" b="1" dirty="0" smtClean="0">
+              <a:rPr lang="en-US" altLang="zh-CN" sz="2000" b="1" dirty="0" smtClean="0">
                 <a:latin typeface="Times New Roman" panose="02020603050405020304" pitchFamily="18" charset="0"/>
                 <a:cs typeface="Times New Roman" panose="02020603050405020304" pitchFamily="18" charset="0"/>
               </a:rPr>
-              <a:t>Decoupled </a:t>
-            </a:r>
-            <a:r>
-              <a:rPr lang="zh-CN" altLang="en-US" sz="1800" b="1" dirty="0" smtClean="0">
-                <a:latin typeface="Times New Roman" panose="02020603050405020304" pitchFamily="18" charset="0"/>
-                <a:cs typeface="Times New Roman" panose="02020603050405020304" pitchFamily="18" charset="0"/>
-              </a:rPr>
-              <a:t>能够减轻 </a:t>
-            </a:r>
-            <a:r>
-              <a:rPr lang="en-US" altLang="zh-CN" sz="1800" b="1" dirty="0" smtClean="0">
-                <a:latin typeface="Times New Roman" panose="02020603050405020304" pitchFamily="18" charset="0"/>
-                <a:cs typeface="Times New Roman" panose="02020603050405020304" pitchFamily="18" charset="0"/>
-              </a:rPr>
-              <a:t>L1D contention</a:t>
-            </a:r>
-          </a:p>
-          <a:p>
-            <a:endParaRPr lang="en-US" altLang="zh-CN" sz="1800" b="1" dirty="0">
-              <a:latin typeface="Times New Roman" panose="02020603050405020304" pitchFamily="18" charset="0"/>
-              <a:cs typeface="Times New Roman" panose="02020603050405020304" pitchFamily="18" charset="0"/>
-            </a:endParaRPr>
-          </a:p>
-          <a:p>
-            <a:r>
-              <a:rPr lang="zh-CN" altLang="en-US" sz="1800" b="1" dirty="0" smtClean="0">
-                <a:latin typeface="Times New Roman" panose="02020603050405020304" pitchFamily="18" charset="0"/>
-                <a:cs typeface="Times New Roman" panose="02020603050405020304" pitchFamily="18" charset="0"/>
-              </a:rPr>
-              <a:t>没有图</a:t>
-            </a:r>
-            <a:r>
-              <a:rPr lang="en-US" altLang="zh-CN" sz="1800" b="1" dirty="0" smtClean="0">
-                <a:latin typeface="Times New Roman" panose="02020603050405020304" pitchFamily="18" charset="0"/>
-                <a:cs typeface="Times New Roman" panose="02020603050405020304" pitchFamily="18" charset="0"/>
-              </a:rPr>
-              <a:t>……</a:t>
-            </a:r>
-            <a:endParaRPr lang="zh-CN" altLang="en-US" sz="1800" b="1" dirty="0">
-              <a:latin typeface="Times New Roman" panose="02020603050405020304" pitchFamily="18" charset="0"/>
-              <a:cs typeface="Times New Roman" panose="02020603050405020304" pitchFamily="18" charset="0"/>
-            </a:endParaRPr>
-          </a:p>
-        </p:txBody>
-      </p:sp>
-    </p:spTree>
-    <p:extLst>
-      <p:ext uri="{BB962C8B-B14F-4D97-AF65-F5344CB8AC3E}">
-        <p14:creationId xmlns:p14="http://schemas.microsoft.com/office/powerpoint/2010/main" val="2845968051"/>
-      </p:ext>
-    </p:extLst>
-  </p:cSld>
-  <p:clrMapOvr>
-    <a:masterClrMapping/>
-  </p:clrMapOvr>
-  <p:timing>
-    <p:tnLst>
-      <p:par>
-        <p:cTn id="1" dur="indefinite" restart="never" nodeType="tmRoot"/>
-      </p:par>
-    </p:tnLst>
-  </p:timing>
-</p:sld>
-</file>
-
-<file path=ppt/slides/slide21.xml><?xml version="1.0" encoding="utf-8"?>
-<p:sld xmlns:a="http://schemas.openxmlformats.org/drawingml/2006/main" xmlns:r="http://schemas.openxmlformats.org/officeDocument/2006/relationships" xmlns:p="http://schemas.openxmlformats.org/presentationml/2006/main">
-  <p:cSld>
-    <p:spTree>
-      <p:nvGrpSpPr>
-        <p:cNvPr id="1" name=""/>
-        <p:cNvGrpSpPr/>
-        <p:nvPr/>
-      </p:nvGrpSpPr>
-      <p:grpSpPr>
-        <a:xfrm>
-          <a:off x="0" y="0"/>
-          <a:ext cx="0" cy="0"/>
-          <a:chOff x="0" y="0"/>
-          <a:chExt cx="0" cy="0"/>
-        </a:xfrm>
-      </p:grpSpPr>
-      <p:sp>
-        <p:nvSpPr>
-          <p:cNvPr id="2" name="标题 1"/>
-          <p:cNvSpPr>
-            <a:spLocks noGrp="1"/>
-          </p:cNvSpPr>
-          <p:nvPr>
-            <p:ph type="title"/>
-          </p:nvPr>
-        </p:nvSpPr>
-        <p:spPr/>
-        <p:txBody>
-          <a:bodyPr/>
-          <a:lstStyle/>
-          <a:p>
-            <a:r>
-              <a:rPr lang="en-US" altLang="zh-CN" b="1" dirty="0" smtClean="0"/>
-              <a:t>Experiment 7</a:t>
-            </a:r>
-            <a:endParaRPr lang="zh-CN" altLang="en-US" b="1" dirty="0"/>
-          </a:p>
-        </p:txBody>
-      </p:sp>
-      <p:sp>
-        <p:nvSpPr>
-          <p:cNvPr id="3" name="文本占位符 2"/>
-          <p:cNvSpPr>
-            <a:spLocks noGrp="1"/>
-          </p:cNvSpPr>
-          <p:nvPr>
-            <p:ph type="body" idx="1"/>
-          </p:nvPr>
-        </p:nvSpPr>
-        <p:spPr/>
-        <p:txBody>
-          <a:bodyPr/>
-          <a:lstStyle/>
-          <a:p>
-            <a:r>
-              <a:rPr lang="zh-CN" altLang="en-US" sz="1800" b="1" dirty="0" smtClean="0">
-                <a:latin typeface="Times New Roman" panose="02020603050405020304" pitchFamily="18" charset="0"/>
-                <a:cs typeface="Times New Roman" panose="02020603050405020304" pitchFamily="18" charset="0"/>
-              </a:rPr>
-              <a:t>且不会造成</a:t>
-            </a:r>
-            <a:r>
-              <a:rPr lang="en-US" altLang="zh-CN" sz="1800" b="1" dirty="0" smtClean="0">
-                <a:latin typeface="Times New Roman" panose="02020603050405020304" pitchFamily="18" charset="0"/>
-                <a:cs typeface="Times New Roman" panose="02020603050405020304" pitchFamily="18" charset="0"/>
-              </a:rPr>
-              <a:t>resource congestion</a:t>
-            </a:r>
-            <a:endParaRPr lang="zh-CN" altLang="en-US" sz="1800" b="1" dirty="0">
+              <a:t>Alleviating Various Contention</a:t>
+            </a:r>
+            <a:endParaRPr lang="zh-CN" altLang="en-US" sz="2000" b="1" dirty="0">
               <a:latin typeface="Times New Roman" panose="02020603050405020304" pitchFamily="18" charset="0"/>
               <a:cs typeface="Times New Roman" panose="02020603050405020304" pitchFamily="18" charset="0"/>
             </a:endParaRPr>
@@ -21805,7 +24144,7 @@
 </p:sld>
 </file>
 
-<file path=ppt/slides/slide22.xml><?xml version="1.0" encoding="utf-8"?>
+<file path=ppt/slides/slide21.xml><?xml version="1.0" encoding="utf-8"?>
 <p:sld xmlns:a="http://schemas.openxmlformats.org/drawingml/2006/main" xmlns:r="http://schemas.openxmlformats.org/officeDocument/2006/relationships" xmlns:p="http://schemas.openxmlformats.org/presentationml/2006/main">
   <p:cSld>
     <p:spTree>
@@ -21865,18 +24204,18 @@
           <a:lstStyle/>
           <a:p>
             <a:r>
-              <a:rPr lang="zh-CN" altLang="en-US" sz="1800" b="1" dirty="0" smtClean="0">
-                <a:latin typeface="Times New Roman" panose="02020603050405020304" pitchFamily="18" charset="0"/>
-                <a:cs typeface="Times New Roman" panose="02020603050405020304" pitchFamily="18" charset="0"/>
-              </a:rPr>
-              <a:t>参数探究：</a:t>
-            </a:r>
-            <a:r>
               <a:rPr lang="en-US" altLang="zh-CN" sz="1800" b="1" dirty="0" smtClean="0">
                 <a:latin typeface="Times New Roman" panose="02020603050405020304" pitchFamily="18" charset="0"/>
                 <a:cs typeface="Times New Roman" panose="02020603050405020304" pitchFamily="18" charset="0"/>
               </a:rPr>
-              <a:t>entry number</a:t>
+              <a:t>entry </a:t>
+            </a:r>
+            <a:r>
+              <a:rPr lang="en-US" altLang="zh-CN" sz="1800" b="1" dirty="0" smtClean="0">
+                <a:latin typeface="Times New Roman" panose="02020603050405020304" pitchFamily="18" charset="0"/>
+                <a:cs typeface="Times New Roman" panose="02020603050405020304" pitchFamily="18" charset="0"/>
+              </a:rPr>
+              <a:t>number</a:t>
             </a:r>
             <a:r>
               <a:rPr lang="zh-CN" altLang="en-US" sz="1800" b="1" dirty="0" smtClean="0">
@@ -21886,11 +24225,11 @@
               <a:t>、</a:t>
             </a:r>
             <a:r>
-              <a:rPr lang="en-US" altLang="zh-CN" sz="1800" b="1" dirty="0" err="1" smtClean="0">
+              <a:rPr lang="en-US" altLang="zh-CN" sz="1800" b="1" dirty="0" smtClean="0">
                 <a:latin typeface="Times New Roman" panose="02020603050405020304" pitchFamily="18" charset="0"/>
                 <a:cs typeface="Times New Roman" panose="02020603050405020304" pitchFamily="18" charset="0"/>
               </a:rPr>
-              <a:t>associatitivity</a:t>
+              <a:t>associativity</a:t>
             </a:r>
             <a:r>
               <a:rPr lang="zh-CN" altLang="en-US" sz="1800" b="1" dirty="0" smtClean="0">
@@ -21957,6 +24296,140 @@
 </p:sld>
 </file>
 
+<file path=ppt/slides/slide22.xml><?xml version="1.0" encoding="utf-8"?>
+<p:sld xmlns:a="http://schemas.openxmlformats.org/drawingml/2006/main" xmlns:r="http://schemas.openxmlformats.org/officeDocument/2006/relationships" xmlns:p="http://schemas.openxmlformats.org/presentationml/2006/main">
+  <p:cSld>
+    <p:spTree>
+      <p:nvGrpSpPr>
+        <p:cNvPr id="1" name=""/>
+        <p:cNvGrpSpPr/>
+        <p:nvPr/>
+      </p:nvGrpSpPr>
+      <p:grpSpPr>
+        <a:xfrm>
+          <a:off x="0" y="0"/>
+          <a:ext cx="0" cy="0"/>
+          <a:chOff x="0" y="0"/>
+          <a:chExt cx="0" cy="0"/>
+        </a:xfrm>
+      </p:grpSpPr>
+      <p:sp>
+        <p:nvSpPr>
+          <p:cNvPr id="2" name="标题 1"/>
+          <p:cNvSpPr>
+            <a:spLocks noGrp="1"/>
+          </p:cNvSpPr>
+          <p:nvPr>
+            <p:ph type="title"/>
+          </p:nvPr>
+        </p:nvSpPr>
+        <p:spPr/>
+        <p:txBody>
+          <a:bodyPr/>
+          <a:lstStyle/>
+          <a:p>
+            <a:r>
+              <a:rPr lang="en-US" altLang="zh-CN" b="1" dirty="0"/>
+              <a:t>Sensitivity to L1 D-cache Sizes</a:t>
+            </a:r>
+            <a:endParaRPr lang="zh-CN" altLang="en-US" b="1" dirty="0"/>
+          </a:p>
+        </p:txBody>
+      </p:sp>
+      <p:sp>
+        <p:nvSpPr>
+          <p:cNvPr id="3" name="文本占位符 2"/>
+          <p:cNvSpPr>
+            <a:spLocks noGrp="1"/>
+          </p:cNvSpPr>
+          <p:nvPr>
+            <p:ph type="body" idx="1"/>
+          </p:nvPr>
+        </p:nvSpPr>
+        <p:spPr/>
+        <p:txBody>
+          <a:bodyPr/>
+          <a:lstStyle/>
+          <a:p>
+            <a:r>
+              <a:rPr lang="en-US" altLang="zh-CN" sz="1800" b="1" dirty="0">
+                <a:latin typeface="Times New Roman" panose="02020603050405020304" pitchFamily="18" charset="0"/>
+                <a:cs typeface="Times New Roman" panose="02020603050405020304" pitchFamily="18" charset="0"/>
+              </a:rPr>
+              <a:t>performance improvements over the baseline, even </a:t>
+            </a:r>
+            <a:r>
+              <a:rPr lang="en-US" altLang="zh-CN" sz="1800" b="1" dirty="0" smtClean="0">
+                <a:latin typeface="Times New Roman" panose="02020603050405020304" pitchFamily="18" charset="0"/>
+                <a:cs typeface="Times New Roman" panose="02020603050405020304" pitchFamily="18" charset="0"/>
+              </a:rPr>
+              <a:t>at a </a:t>
+            </a:r>
+            <a:r>
+              <a:rPr lang="en-US" altLang="zh-CN" sz="1800" b="1" dirty="0">
+                <a:latin typeface="Times New Roman" panose="02020603050405020304" pitchFamily="18" charset="0"/>
+                <a:cs typeface="Times New Roman" panose="02020603050405020304" pitchFamily="18" charset="0"/>
+              </a:rPr>
+              <a:t>larger cache size (128KB</a:t>
+            </a:r>
+            <a:r>
+              <a:rPr lang="en-US" altLang="zh-CN" sz="1800" b="1" dirty="0" smtClean="0">
+                <a:latin typeface="Times New Roman" panose="02020603050405020304" pitchFamily="18" charset="0"/>
+                <a:cs typeface="Times New Roman" panose="02020603050405020304" pitchFamily="18" charset="0"/>
+              </a:rPr>
+              <a:t>)</a:t>
+            </a:r>
+            <a:endParaRPr lang="zh-CN" altLang="en-US" sz="1800" b="1" dirty="0">
+              <a:latin typeface="Times New Roman" panose="02020603050405020304" pitchFamily="18" charset="0"/>
+              <a:cs typeface="Times New Roman" panose="02020603050405020304" pitchFamily="18" charset="0"/>
+            </a:endParaRPr>
+          </a:p>
+        </p:txBody>
+      </p:sp>
+      <p:pic>
+        <p:nvPicPr>
+          <p:cNvPr id="4" name="图片 3"/>
+          <p:cNvPicPr>
+            <a:picLocks noChangeAspect="1"/>
+          </p:cNvPicPr>
+          <p:nvPr/>
+        </p:nvPicPr>
+        <p:blipFill>
+          <a:blip r:embed="rId2"/>
+          <a:stretch>
+            <a:fillRect/>
+          </a:stretch>
+        </p:blipFill>
+        <p:spPr>
+          <a:xfrm>
+            <a:off x="2687440" y="1622208"/>
+            <a:ext cx="6296025" cy="4943475"/>
+          </a:xfrm>
+          <a:prstGeom prst="rect">
+            <a:avLst/>
+          </a:prstGeom>
+        </p:spPr>
+      </p:pic>
+    </p:spTree>
+    <p:extLst>
+      <p:ext uri="{BB962C8B-B14F-4D97-AF65-F5344CB8AC3E}">
+        <p14:creationId xmlns:p14="http://schemas.microsoft.com/office/powerpoint/2010/main" val="3956865531"/>
+      </p:ext>
+    </p:extLst>
+  </p:cSld>
+  <p:clrMapOvr>
+    <a:masterClrMapping/>
+  </p:clrMapOvr>
+  <p:timing>
+    <p:tnLst>
+      <p:par>
+        <p:cTn id="1" dur="indefinite" restart="never" nodeType="tmRoot"/>
+      </p:par>
+    </p:tnLst>
+  </p:timing>
+</p:sld>
+</file>
+
 <file path=ppt/slides/slide23.xml><?xml version="1.0" encoding="utf-8"?>
 <p:sld xmlns:a="http://schemas.openxmlformats.org/drawingml/2006/main" xmlns:r="http://schemas.openxmlformats.org/officeDocument/2006/relationships" xmlns:p="http://schemas.openxmlformats.org/presentationml/2006/main">
   <p:cSld>
@@ -21991,13 +24464,9 @@
           <a:p>
             <a:r>
               <a:rPr lang="en-US" altLang="zh-CN" b="1" dirty="0"/>
-              <a:t>Design Space </a:t>
-            </a:r>
-            <a:r>
-              <a:rPr lang="en-US" altLang="zh-CN" b="1" dirty="0" smtClean="0"/>
-              <a:t>Exploration</a:t>
-            </a:r>
-            <a:endParaRPr lang="zh-CN" altLang="en-US" b="1" dirty="0"/>
+              <a:t>Sensitivity to Warp Scheduling Policies</a:t>
+            </a:r>
+            <a:endParaRPr lang="en-US" altLang="zh-CN" b="1" dirty="0"/>
           </a:p>
         </p:txBody>
       </p:sp>
@@ -22017,11 +24486,32 @@
           <a:lstStyle/>
           <a:p>
             <a:r>
-              <a:rPr lang="zh-CN" altLang="en-US" sz="1800" b="1" dirty="0" smtClean="0">
+              <a:rPr lang="en-US" altLang="zh-CN" sz="1800" b="1" dirty="0">
                 <a:latin typeface="Times New Roman" panose="02020603050405020304" pitchFamily="18" charset="0"/>
                 <a:cs typeface="Times New Roman" panose="02020603050405020304" pitchFamily="18" charset="0"/>
               </a:rPr>
-              <a:t>对缓存大小的影响</a:t>
+              <a:t>achieve further performance </a:t>
+            </a:r>
+            <a:r>
+              <a:rPr lang="en-US" altLang="zh-CN" sz="1800" b="1" dirty="0" smtClean="0">
+                <a:latin typeface="Times New Roman" panose="02020603050405020304" pitchFamily="18" charset="0"/>
+                <a:cs typeface="Times New Roman" panose="02020603050405020304" pitchFamily="18" charset="0"/>
+              </a:rPr>
+              <a:t>gains with </a:t>
+            </a:r>
+            <a:r>
+              <a:rPr lang="en-US" altLang="zh-CN" sz="1800" b="1" dirty="0">
+                <a:latin typeface="Times New Roman" panose="02020603050405020304" pitchFamily="18" charset="0"/>
+                <a:cs typeface="Times New Roman" panose="02020603050405020304" pitchFamily="18" charset="0"/>
+              </a:rPr>
+              <a:t>different warp scheduling </a:t>
+            </a:r>
+            <a:r>
+              <a:rPr lang="en-US" altLang="zh-CN" sz="1800" b="1" dirty="0" smtClean="0">
+                <a:latin typeface="Times New Roman" panose="02020603050405020304" pitchFamily="18" charset="0"/>
+                <a:cs typeface="Times New Roman" panose="02020603050405020304" pitchFamily="18" charset="0"/>
+              </a:rPr>
+              <a:t>policies</a:t>
             </a:r>
             <a:endParaRPr lang="zh-CN" altLang="en-US" sz="1800" b="1" dirty="0">
               <a:latin typeface="Times New Roman" panose="02020603050405020304" pitchFamily="18" charset="0"/>
@@ -22032,7 +24522,7 @@
       </p:sp>
       <p:pic>
         <p:nvPicPr>
-          <p:cNvPr id="4" name="图片 3"/>
+          <p:cNvPr id="5" name="图片 4"/>
           <p:cNvPicPr>
             <a:picLocks noChangeAspect="1"/>
           </p:cNvPicPr>
@@ -22046,8 +24536,8 @@
         </p:blipFill>
         <p:spPr>
           <a:xfrm>
-            <a:off x="2770567" y="1694241"/>
-            <a:ext cx="6296025" cy="4943475"/>
+            <a:off x="1648310" y="1588438"/>
+            <a:ext cx="8063293" cy="4251253"/>
           </a:xfrm>
           <a:prstGeom prst="rect">
             <a:avLst/>
@@ -22057,7 +24547,7 @@
     </p:spTree>
     <p:extLst>
       <p:ext uri="{BB962C8B-B14F-4D97-AF65-F5344CB8AC3E}">
-        <p14:creationId xmlns:p14="http://schemas.microsoft.com/office/powerpoint/2010/main" val="3956865531"/>
+        <p14:creationId xmlns:p14="http://schemas.microsoft.com/office/powerpoint/2010/main" val="2799601983"/>
       </p:ext>
     </p:extLst>
   </p:cSld>
@@ -22107,14 +24597,10 @@
           <a:lstStyle/>
           <a:p>
             <a:r>
-              <a:rPr lang="en-US" altLang="zh-CN" b="1" dirty="0"/>
-              <a:t>Design Space </a:t>
-            </a:r>
-            <a:r>
-              <a:rPr lang="en-US" altLang="zh-CN" b="1" dirty="0" smtClean="0"/>
-              <a:t>Exploration</a:t>
-            </a:r>
-            <a:endParaRPr lang="zh-CN" altLang="en-US" b="1" dirty="0"/>
+              <a:rPr lang="en-US" altLang="zh-CN" dirty="0" smtClean="0"/>
+              <a:t>Thinking</a:t>
+            </a:r>
+            <a:endParaRPr lang="zh-CN" altLang="en-US" dirty="0"/>
           </a:p>
         </p:txBody>
       </p:sp>
@@ -22133,48 +24619,14 @@
           <a:bodyPr/>
           <a:lstStyle/>
           <a:p>
-            <a:r>
-              <a:rPr lang="zh-CN" altLang="en-US" sz="1800" b="1" dirty="0" smtClean="0">
-                <a:latin typeface="Times New Roman" panose="02020603050405020304" pitchFamily="18" charset="0"/>
-                <a:cs typeface="Times New Roman" panose="02020603050405020304" pitchFamily="18" charset="0"/>
-              </a:rPr>
-              <a:t>调度策略</a:t>
-            </a:r>
-            <a:endParaRPr lang="zh-CN" altLang="en-US" sz="1800" b="1" dirty="0">
-              <a:latin typeface="Times New Roman" panose="02020603050405020304" pitchFamily="18" charset="0"/>
-              <a:cs typeface="Times New Roman" panose="02020603050405020304" pitchFamily="18" charset="0"/>
-            </a:endParaRPr>
+            <a:endParaRPr lang="zh-CN" altLang="en-US"/>
           </a:p>
         </p:txBody>
       </p:sp>
-      <p:pic>
-        <p:nvPicPr>
-          <p:cNvPr id="5" name="图片 4"/>
-          <p:cNvPicPr>
-            <a:picLocks noChangeAspect="1"/>
-          </p:cNvPicPr>
-          <p:nvPr/>
-        </p:nvPicPr>
-        <p:blipFill>
-          <a:blip r:embed="rId2"/>
-          <a:stretch>
-            <a:fillRect/>
-          </a:stretch>
-        </p:blipFill>
-        <p:spPr>
-          <a:xfrm>
-            <a:off x="1462087" y="1722817"/>
-            <a:ext cx="9267825" cy="4886325"/>
-          </a:xfrm>
-          <a:prstGeom prst="rect">
-            <a:avLst/>
-          </a:prstGeom>
-        </p:spPr>
-      </p:pic>
     </p:spTree>
     <p:extLst>
       <p:ext uri="{BB962C8B-B14F-4D97-AF65-F5344CB8AC3E}">
-        <p14:creationId xmlns:p14="http://schemas.microsoft.com/office/powerpoint/2010/main" val="2799601983"/>
+        <p14:creationId xmlns:p14="http://schemas.microsoft.com/office/powerpoint/2010/main" val="2130366069"/>
       </p:ext>
     </p:extLst>
   </p:cSld>
@@ -22418,9 +24870,7 @@
           <a:prstGeom prst="ellipse">
             <a:avLst/>
           </a:prstGeom>
-          <a:solidFill>
-            <a:srgbClr val="92D050"/>
-          </a:solidFill>
+          <a:noFill/>
         </p:spPr>
         <p:style>
           <a:lnRef idx="2">
@@ -23030,9 +25480,466 @@
   <p:timing>
     <p:tnLst>
       <p:par>
-        <p:cTn id="1" dur="indefinite" restart="never" nodeType="tmRoot"/>
+        <p:cTn id="1" dur="indefinite" restart="never" nodeType="tmRoot">
+          <p:childTnLst>
+            <p:seq concurrent="1" nextAc="seek">
+              <p:cTn id="2" dur="indefinite" nodeType="mainSeq">
+                <p:childTnLst>
+                  <p:par>
+                    <p:cTn id="3" fill="hold">
+                      <p:stCondLst>
+                        <p:cond delay="indefinite"/>
+                      </p:stCondLst>
+                      <p:childTnLst>
+                        <p:par>
+                          <p:cTn id="4" fill="hold">
+                            <p:stCondLst>
+                              <p:cond delay="0"/>
+                            </p:stCondLst>
+                            <p:childTnLst>
+                              <p:par>
+                                <p:cTn id="5" presetID="10" presetClass="entr" presetSubtype="0" fill="hold" grpId="0" nodeType="clickEffect">
+                                  <p:stCondLst>
+                                    <p:cond delay="0"/>
+                                  </p:stCondLst>
+                                  <p:childTnLst>
+                                    <p:set>
+                                      <p:cBhvr>
+                                        <p:cTn id="6" dur="1" fill="hold">
+                                          <p:stCondLst>
+                                            <p:cond delay="0"/>
+                                          </p:stCondLst>
+                                        </p:cTn>
+                                        <p:tgtEl>
+                                          <p:spTgt spid="6"/>
+                                        </p:tgtEl>
+                                        <p:attrNameLst>
+                                          <p:attrName>style.visibility</p:attrName>
+                                        </p:attrNameLst>
+                                      </p:cBhvr>
+                                      <p:to>
+                                        <p:strVal val="visible"/>
+                                      </p:to>
+                                    </p:set>
+                                    <p:animEffect transition="in" filter="fade">
+                                      <p:cBhvr>
+                                        <p:cTn id="7" dur="500"/>
+                                        <p:tgtEl>
+                                          <p:spTgt spid="6"/>
+                                        </p:tgtEl>
+                                      </p:cBhvr>
+                                    </p:animEffect>
+                                  </p:childTnLst>
+                                </p:cTn>
+                              </p:par>
+                            </p:childTnLst>
+                          </p:cTn>
+                        </p:par>
+                      </p:childTnLst>
+                    </p:cTn>
+                  </p:par>
+                  <p:par>
+                    <p:cTn id="8" fill="hold">
+                      <p:stCondLst>
+                        <p:cond delay="indefinite"/>
+                      </p:stCondLst>
+                      <p:childTnLst>
+                        <p:par>
+                          <p:cTn id="9" fill="hold">
+                            <p:stCondLst>
+                              <p:cond delay="0"/>
+                            </p:stCondLst>
+                            <p:childTnLst>
+                              <p:par>
+                                <p:cTn id="10" presetID="10" presetClass="entr" presetSubtype="0" fill="hold" grpId="0" nodeType="clickEffect">
+                                  <p:stCondLst>
+                                    <p:cond delay="0"/>
+                                  </p:stCondLst>
+                                  <p:childTnLst>
+                                    <p:set>
+                                      <p:cBhvr>
+                                        <p:cTn id="11" dur="1" fill="hold">
+                                          <p:stCondLst>
+                                            <p:cond delay="0"/>
+                                          </p:stCondLst>
+                                        </p:cTn>
+                                        <p:tgtEl>
+                                          <p:spTgt spid="7"/>
+                                        </p:tgtEl>
+                                        <p:attrNameLst>
+                                          <p:attrName>style.visibility</p:attrName>
+                                        </p:attrNameLst>
+                                      </p:cBhvr>
+                                      <p:to>
+                                        <p:strVal val="visible"/>
+                                      </p:to>
+                                    </p:set>
+                                    <p:animEffect transition="in" filter="fade">
+                                      <p:cBhvr>
+                                        <p:cTn id="12" dur="500"/>
+                                        <p:tgtEl>
+                                          <p:spTgt spid="7"/>
+                                        </p:tgtEl>
+                                      </p:cBhvr>
+                                    </p:animEffect>
+                                  </p:childTnLst>
+                                </p:cTn>
+                              </p:par>
+                            </p:childTnLst>
+                          </p:cTn>
+                        </p:par>
+                      </p:childTnLst>
+                    </p:cTn>
+                  </p:par>
+                  <p:par>
+                    <p:cTn id="13" fill="hold">
+                      <p:stCondLst>
+                        <p:cond delay="indefinite"/>
+                      </p:stCondLst>
+                      <p:childTnLst>
+                        <p:par>
+                          <p:cTn id="14" fill="hold">
+                            <p:stCondLst>
+                              <p:cond delay="0"/>
+                            </p:stCondLst>
+                            <p:childTnLst>
+                              <p:par>
+                                <p:cTn id="15" presetID="10" presetClass="entr" presetSubtype="0" fill="hold" grpId="0" nodeType="clickEffect">
+                                  <p:stCondLst>
+                                    <p:cond delay="0"/>
+                                  </p:stCondLst>
+                                  <p:childTnLst>
+                                    <p:set>
+                                      <p:cBhvr>
+                                        <p:cTn id="16" dur="1" fill="hold">
+                                          <p:stCondLst>
+                                            <p:cond delay="0"/>
+                                          </p:stCondLst>
+                                        </p:cTn>
+                                        <p:tgtEl>
+                                          <p:spTgt spid="8"/>
+                                        </p:tgtEl>
+                                        <p:attrNameLst>
+                                          <p:attrName>style.visibility</p:attrName>
+                                        </p:attrNameLst>
+                                      </p:cBhvr>
+                                      <p:to>
+                                        <p:strVal val="visible"/>
+                                      </p:to>
+                                    </p:set>
+                                    <p:animEffect transition="in" filter="fade">
+                                      <p:cBhvr>
+                                        <p:cTn id="17" dur="500"/>
+                                        <p:tgtEl>
+                                          <p:spTgt spid="8"/>
+                                        </p:tgtEl>
+                                      </p:cBhvr>
+                                    </p:animEffect>
+                                  </p:childTnLst>
+                                </p:cTn>
+                              </p:par>
+                            </p:childTnLst>
+                          </p:cTn>
+                        </p:par>
+                      </p:childTnLst>
+                    </p:cTn>
+                  </p:par>
+                  <p:par>
+                    <p:cTn id="18" fill="hold">
+                      <p:stCondLst>
+                        <p:cond delay="indefinite"/>
+                      </p:stCondLst>
+                      <p:childTnLst>
+                        <p:par>
+                          <p:cTn id="19" fill="hold">
+                            <p:stCondLst>
+                              <p:cond delay="0"/>
+                            </p:stCondLst>
+                            <p:childTnLst>
+                              <p:par>
+                                <p:cTn id="20" presetID="10" presetClass="entr" presetSubtype="0" fill="hold" grpId="0" nodeType="clickEffect">
+                                  <p:stCondLst>
+                                    <p:cond delay="0"/>
+                                  </p:stCondLst>
+                                  <p:childTnLst>
+                                    <p:set>
+                                      <p:cBhvr>
+                                        <p:cTn id="21" dur="1" fill="hold">
+                                          <p:stCondLst>
+                                            <p:cond delay="0"/>
+                                          </p:stCondLst>
+                                        </p:cTn>
+                                        <p:tgtEl>
+                                          <p:spTgt spid="9"/>
+                                        </p:tgtEl>
+                                        <p:attrNameLst>
+                                          <p:attrName>style.visibility</p:attrName>
+                                        </p:attrNameLst>
+                                      </p:cBhvr>
+                                      <p:to>
+                                        <p:strVal val="visible"/>
+                                      </p:to>
+                                    </p:set>
+                                    <p:animEffect transition="in" filter="fade">
+                                      <p:cBhvr>
+                                        <p:cTn id="22" dur="500"/>
+                                        <p:tgtEl>
+                                          <p:spTgt spid="9"/>
+                                        </p:tgtEl>
+                                      </p:cBhvr>
+                                    </p:animEffect>
+                                  </p:childTnLst>
+                                </p:cTn>
+                              </p:par>
+                            </p:childTnLst>
+                          </p:cTn>
+                        </p:par>
+                      </p:childTnLst>
+                    </p:cTn>
+                  </p:par>
+                  <p:par>
+                    <p:cTn id="23" fill="hold">
+                      <p:stCondLst>
+                        <p:cond delay="indefinite"/>
+                      </p:stCondLst>
+                      <p:childTnLst>
+                        <p:par>
+                          <p:cTn id="24" fill="hold">
+                            <p:stCondLst>
+                              <p:cond delay="0"/>
+                            </p:stCondLst>
+                            <p:childTnLst>
+                              <p:par>
+                                <p:cTn id="25" presetID="10" presetClass="entr" presetSubtype="0" fill="hold" grpId="0" nodeType="clickEffect">
+                                  <p:stCondLst>
+                                    <p:cond delay="0"/>
+                                  </p:stCondLst>
+                                  <p:childTnLst>
+                                    <p:set>
+                                      <p:cBhvr>
+                                        <p:cTn id="26" dur="1" fill="hold">
+                                          <p:stCondLst>
+                                            <p:cond delay="0"/>
+                                          </p:stCondLst>
+                                        </p:cTn>
+                                        <p:tgtEl>
+                                          <p:spTgt spid="10"/>
+                                        </p:tgtEl>
+                                        <p:attrNameLst>
+                                          <p:attrName>style.visibility</p:attrName>
+                                        </p:attrNameLst>
+                                      </p:cBhvr>
+                                      <p:to>
+                                        <p:strVal val="visible"/>
+                                      </p:to>
+                                    </p:set>
+                                    <p:animEffect transition="in" filter="fade">
+                                      <p:cBhvr>
+                                        <p:cTn id="27" dur="500"/>
+                                        <p:tgtEl>
+                                          <p:spTgt spid="10"/>
+                                        </p:tgtEl>
+                                      </p:cBhvr>
+                                    </p:animEffect>
+                                  </p:childTnLst>
+                                </p:cTn>
+                              </p:par>
+                            </p:childTnLst>
+                          </p:cTn>
+                        </p:par>
+                      </p:childTnLst>
+                    </p:cTn>
+                  </p:par>
+                  <p:par>
+                    <p:cTn id="28" fill="hold">
+                      <p:stCondLst>
+                        <p:cond delay="indefinite"/>
+                      </p:stCondLst>
+                      <p:childTnLst>
+                        <p:par>
+                          <p:cTn id="29" fill="hold">
+                            <p:stCondLst>
+                              <p:cond delay="0"/>
+                            </p:stCondLst>
+                            <p:childTnLst>
+                              <p:par>
+                                <p:cTn id="30" presetID="10" presetClass="entr" presetSubtype="0" fill="hold" grpId="0" nodeType="clickEffect">
+                                  <p:stCondLst>
+                                    <p:cond delay="0"/>
+                                  </p:stCondLst>
+                                  <p:childTnLst>
+                                    <p:set>
+                                      <p:cBhvr>
+                                        <p:cTn id="31" dur="1" fill="hold">
+                                          <p:stCondLst>
+                                            <p:cond delay="0"/>
+                                          </p:stCondLst>
+                                        </p:cTn>
+                                        <p:tgtEl>
+                                          <p:spTgt spid="11"/>
+                                        </p:tgtEl>
+                                        <p:attrNameLst>
+                                          <p:attrName>style.visibility</p:attrName>
+                                        </p:attrNameLst>
+                                      </p:cBhvr>
+                                      <p:to>
+                                        <p:strVal val="visible"/>
+                                      </p:to>
+                                    </p:set>
+                                    <p:animEffect transition="in" filter="fade">
+                                      <p:cBhvr>
+                                        <p:cTn id="32" dur="500"/>
+                                        <p:tgtEl>
+                                          <p:spTgt spid="11"/>
+                                        </p:tgtEl>
+                                      </p:cBhvr>
+                                    </p:animEffect>
+                                  </p:childTnLst>
+                                </p:cTn>
+                              </p:par>
+                            </p:childTnLst>
+                          </p:cTn>
+                        </p:par>
+                      </p:childTnLst>
+                    </p:cTn>
+                  </p:par>
+                  <p:par>
+                    <p:cTn id="33" fill="hold">
+                      <p:stCondLst>
+                        <p:cond delay="indefinite"/>
+                      </p:stCondLst>
+                      <p:childTnLst>
+                        <p:par>
+                          <p:cTn id="34" fill="hold">
+                            <p:stCondLst>
+                              <p:cond delay="0"/>
+                            </p:stCondLst>
+                            <p:childTnLst>
+                              <p:par>
+                                <p:cTn id="35" presetID="10" presetClass="entr" presetSubtype="0" fill="hold" grpId="0" nodeType="clickEffect">
+                                  <p:stCondLst>
+                                    <p:cond delay="0"/>
+                                  </p:stCondLst>
+                                  <p:childTnLst>
+                                    <p:set>
+                                      <p:cBhvr>
+                                        <p:cTn id="36" dur="1" fill="hold">
+                                          <p:stCondLst>
+                                            <p:cond delay="0"/>
+                                          </p:stCondLst>
+                                        </p:cTn>
+                                        <p:tgtEl>
+                                          <p:spTgt spid="12"/>
+                                        </p:tgtEl>
+                                        <p:attrNameLst>
+                                          <p:attrName>style.visibility</p:attrName>
+                                        </p:attrNameLst>
+                                      </p:cBhvr>
+                                      <p:to>
+                                        <p:strVal val="visible"/>
+                                      </p:to>
+                                    </p:set>
+                                    <p:animEffect transition="in" filter="fade">
+                                      <p:cBhvr>
+                                        <p:cTn id="37" dur="500"/>
+                                        <p:tgtEl>
+                                          <p:spTgt spid="12"/>
+                                        </p:tgtEl>
+                                      </p:cBhvr>
+                                    </p:animEffect>
+                                  </p:childTnLst>
+                                </p:cTn>
+                              </p:par>
+                            </p:childTnLst>
+                          </p:cTn>
+                        </p:par>
+                      </p:childTnLst>
+                    </p:cTn>
+                  </p:par>
+                  <p:par>
+                    <p:cTn id="38" fill="hold">
+                      <p:stCondLst>
+                        <p:cond delay="indefinite"/>
+                      </p:stCondLst>
+                      <p:childTnLst>
+                        <p:par>
+                          <p:cTn id="39" fill="hold">
+                            <p:stCondLst>
+                              <p:cond delay="0"/>
+                            </p:stCondLst>
+                            <p:childTnLst>
+                              <p:par>
+                                <p:cTn id="40" presetID="10" presetClass="entr" presetSubtype="0" fill="hold" grpId="0" nodeType="clickEffect">
+                                  <p:stCondLst>
+                                    <p:cond delay="0"/>
+                                  </p:stCondLst>
+                                  <p:childTnLst>
+                                    <p:set>
+                                      <p:cBhvr>
+                                        <p:cTn id="41" dur="1" fill="hold">
+                                          <p:stCondLst>
+                                            <p:cond delay="0"/>
+                                          </p:stCondLst>
+                                        </p:cTn>
+                                        <p:tgtEl>
+                                          <p:spTgt spid="13"/>
+                                        </p:tgtEl>
+                                        <p:attrNameLst>
+                                          <p:attrName>style.visibility</p:attrName>
+                                        </p:attrNameLst>
+                                      </p:cBhvr>
+                                      <p:to>
+                                        <p:strVal val="visible"/>
+                                      </p:to>
+                                    </p:set>
+                                    <p:animEffect transition="in" filter="fade">
+                                      <p:cBhvr>
+                                        <p:cTn id="42" dur="500"/>
+                                        <p:tgtEl>
+                                          <p:spTgt spid="13"/>
+                                        </p:tgtEl>
+                                      </p:cBhvr>
+                                    </p:animEffect>
+                                  </p:childTnLst>
+                                </p:cTn>
+                              </p:par>
+                            </p:childTnLst>
+                          </p:cTn>
+                        </p:par>
+                      </p:childTnLst>
+                    </p:cTn>
+                  </p:par>
+                </p:childTnLst>
+              </p:cTn>
+              <p:prevCondLst>
+                <p:cond evt="onPrev" delay="0">
+                  <p:tgtEl>
+                    <p:sldTgt/>
+                  </p:tgtEl>
+                </p:cond>
+              </p:prevCondLst>
+              <p:nextCondLst>
+                <p:cond evt="onNext" delay="0">
+                  <p:tgtEl>
+                    <p:sldTgt/>
+                  </p:tgtEl>
+                </p:cond>
+              </p:nextCondLst>
+            </p:seq>
+          </p:childTnLst>
+        </p:cTn>
       </p:par>
     </p:tnLst>
+    <p:bldLst>
+      <p:bldP spid="6" grpId="0" animBg="1"/>
+      <p:bldP spid="7" grpId="0" animBg="1"/>
+      <p:bldP spid="8" grpId="0" animBg="1"/>
+      <p:bldP spid="9" grpId="0" animBg="1"/>
+      <p:bldP spid="10" grpId="0" animBg="1"/>
+      <p:bldP spid="11" grpId="0" animBg="1"/>
+      <p:bldP spid="12" grpId="0" animBg="1"/>
+      <p:bldP spid="13" grpId="0" animBg="1"/>
+    </p:bldLst>
   </p:timing>
 </p:sld>
 </file>
@@ -23190,9 +26097,7 @@
           <a:prstGeom prst="ellipse">
             <a:avLst/>
           </a:prstGeom>
-          <a:solidFill>
-            <a:srgbClr val="92D050"/>
-          </a:solidFill>
+          <a:noFill/>
         </p:spPr>
         <p:style>
           <a:lnRef idx="2">
@@ -23525,17 +26430,7 @@
                 <a:latin typeface="Times New Roman" panose="02020603050405020304" pitchFamily="18" charset="0"/>
                 <a:cs typeface="Times New Roman" panose="02020603050405020304" pitchFamily="18" charset="0"/>
               </a:rPr>
-              <a:t>                             </a:t>
-            </a:r>
-            <a:r>
-              <a:rPr lang="en-US" altLang="zh-CN" sz="2800" dirty="0" smtClean="0">
-                <a:solidFill>
-                  <a:schemeClr val="bg1"/>
-                </a:solidFill>
-                <a:latin typeface="Times New Roman" panose="02020603050405020304" pitchFamily="18" charset="0"/>
-                <a:cs typeface="Times New Roman" panose="02020603050405020304" pitchFamily="18" charset="0"/>
-              </a:rPr>
-              <a:t>distances </a:t>
+              <a:t>                             distances </a:t>
             </a:r>
             <a:r>
               <a:rPr lang="en-US" altLang="zh-CN" sz="2800" dirty="0">
@@ -23640,9 +26535,196 @@
   <p:timing>
     <p:tnLst>
       <p:par>
-        <p:cTn id="1" dur="indefinite" restart="never" nodeType="tmRoot"/>
+        <p:cTn id="1" dur="indefinite" restart="never" nodeType="tmRoot">
+          <p:childTnLst>
+            <p:seq concurrent="1" nextAc="seek">
+              <p:cTn id="2" dur="indefinite" nodeType="mainSeq">
+                <p:childTnLst>
+                  <p:par>
+                    <p:cTn id="3" fill="hold">
+                      <p:stCondLst>
+                        <p:cond delay="indefinite"/>
+                      </p:stCondLst>
+                      <p:childTnLst>
+                        <p:par>
+                          <p:cTn id="4" fill="hold">
+                            <p:stCondLst>
+                              <p:cond delay="0"/>
+                            </p:stCondLst>
+                            <p:childTnLst>
+                              <p:par>
+                                <p:cTn id="5" presetID="10" presetClass="entr" presetSubtype="0" fill="hold" grpId="0" nodeType="clickEffect">
+                                  <p:stCondLst>
+                                    <p:cond delay="0"/>
+                                  </p:stCondLst>
+                                  <p:childTnLst>
+                                    <p:set>
+                                      <p:cBhvr>
+                                        <p:cTn id="6" dur="1" fill="hold">
+                                          <p:stCondLst>
+                                            <p:cond delay="0"/>
+                                          </p:stCondLst>
+                                        </p:cTn>
+                                        <p:tgtEl>
+                                          <p:spTgt spid="7"/>
+                                        </p:tgtEl>
+                                        <p:attrNameLst>
+                                          <p:attrName>style.visibility</p:attrName>
+                                        </p:attrNameLst>
+                                      </p:cBhvr>
+                                      <p:to>
+                                        <p:strVal val="visible"/>
+                                      </p:to>
+                                    </p:set>
+                                    <p:animEffect transition="in" filter="fade">
+                                      <p:cBhvr>
+                                        <p:cTn id="7" dur="500"/>
+                                        <p:tgtEl>
+                                          <p:spTgt spid="7"/>
+                                        </p:tgtEl>
+                                      </p:cBhvr>
+                                    </p:animEffect>
+                                  </p:childTnLst>
+                                </p:cTn>
+                              </p:par>
+                            </p:childTnLst>
+                          </p:cTn>
+                        </p:par>
+                      </p:childTnLst>
+                    </p:cTn>
+                  </p:par>
+                  <p:par>
+                    <p:cTn id="8" fill="hold">
+                      <p:stCondLst>
+                        <p:cond delay="indefinite"/>
+                      </p:stCondLst>
+                      <p:childTnLst>
+                        <p:par>
+                          <p:cTn id="9" fill="hold">
+                            <p:stCondLst>
+                              <p:cond delay="0"/>
+                            </p:stCondLst>
+                            <p:childTnLst>
+                              <p:par>
+                                <p:cTn id="10" presetID="10" presetClass="entr" presetSubtype="0" fill="hold" grpId="0" nodeType="clickEffect">
+                                  <p:stCondLst>
+                                    <p:cond delay="0"/>
+                                  </p:stCondLst>
+                                  <p:childTnLst>
+                                    <p:set>
+                                      <p:cBhvr>
+                                        <p:cTn id="11" dur="1" fill="hold">
+                                          <p:stCondLst>
+                                            <p:cond delay="0"/>
+                                          </p:stCondLst>
+                                        </p:cTn>
+                                        <p:tgtEl>
+                                          <p:spTgt spid="11"/>
+                                        </p:tgtEl>
+                                        <p:attrNameLst>
+                                          <p:attrName>style.visibility</p:attrName>
+                                        </p:attrNameLst>
+                                      </p:cBhvr>
+                                      <p:to>
+                                        <p:strVal val="visible"/>
+                                      </p:to>
+                                    </p:set>
+                                    <p:animEffect transition="in" filter="fade">
+                                      <p:cBhvr>
+                                        <p:cTn id="12" dur="500"/>
+                                        <p:tgtEl>
+                                          <p:spTgt spid="11"/>
+                                        </p:tgtEl>
+                                      </p:cBhvr>
+                                    </p:animEffect>
+                                  </p:childTnLst>
+                                </p:cTn>
+                              </p:par>
+                            </p:childTnLst>
+                          </p:cTn>
+                        </p:par>
+                      </p:childTnLst>
+                    </p:cTn>
+                  </p:par>
+                  <p:par>
+                    <p:cTn id="13" fill="hold">
+                      <p:stCondLst>
+                        <p:cond delay="indefinite"/>
+                      </p:stCondLst>
+                      <p:childTnLst>
+                        <p:par>
+                          <p:cTn id="14" fill="hold">
+                            <p:stCondLst>
+                              <p:cond delay="0"/>
+                            </p:stCondLst>
+                            <p:childTnLst>
+                              <p:par>
+                                <p:cTn id="15" presetID="10" presetClass="entr" presetSubtype="0" fill="hold" grpId="0" nodeType="clickEffect">
+                                  <p:stCondLst>
+                                    <p:cond delay="0"/>
+                                  </p:stCondLst>
+                                  <p:childTnLst>
+                                    <p:set>
+                                      <p:cBhvr>
+                                        <p:cTn id="16" dur="1" fill="hold">
+                                          <p:stCondLst>
+                                            <p:cond delay="0"/>
+                                          </p:stCondLst>
+                                        </p:cTn>
+                                        <p:tgtEl>
+                                          <p:spTgt spid="12"/>
+                                        </p:tgtEl>
+                                        <p:attrNameLst>
+                                          <p:attrName>style.visibility</p:attrName>
+                                        </p:attrNameLst>
+                                      </p:cBhvr>
+                                      <p:to>
+                                        <p:strVal val="visible"/>
+                                      </p:to>
+                                    </p:set>
+                                    <p:animEffect transition="in" filter="fade">
+                                      <p:cBhvr>
+                                        <p:cTn id="17" dur="500"/>
+                                        <p:tgtEl>
+                                          <p:spTgt spid="12"/>
+                                        </p:tgtEl>
+                                      </p:cBhvr>
+                                    </p:animEffect>
+                                  </p:childTnLst>
+                                </p:cTn>
+                              </p:par>
+                            </p:childTnLst>
+                          </p:cTn>
+                        </p:par>
+                      </p:childTnLst>
+                    </p:cTn>
+                  </p:par>
+                </p:childTnLst>
+              </p:cTn>
+              <p:prevCondLst>
+                <p:cond evt="onPrev" delay="0">
+                  <p:tgtEl>
+                    <p:sldTgt/>
+                  </p:tgtEl>
+                </p:cond>
+              </p:prevCondLst>
+              <p:nextCondLst>
+                <p:cond evt="onNext" delay="0">
+                  <p:tgtEl>
+                    <p:sldTgt/>
+                  </p:tgtEl>
+                </p:cond>
+              </p:nextCondLst>
+            </p:seq>
+          </p:childTnLst>
+        </p:cTn>
       </p:par>
     </p:tnLst>
+    <p:bldLst>
+      <p:bldP spid="7" grpId="0" animBg="1"/>
+      <p:bldP spid="11" grpId="0" animBg="1"/>
+      <p:bldP spid="12" grpId="0" animBg="1"/>
+    </p:bldLst>
   </p:timing>
 </p:sld>
 </file>
@@ -23761,17 +26843,7 @@
                 <a:latin typeface="Times New Roman" panose="02020603050405020304" pitchFamily="18" charset="0"/>
                 <a:cs typeface="Times New Roman" panose="02020603050405020304" pitchFamily="18" charset="0"/>
               </a:rPr>
-              <a:t>Bypass </a:t>
-            </a:r>
-            <a:r>
-              <a:rPr lang="en-US" altLang="zh-CN" sz="2800" b="1" dirty="0" smtClean="0">
-                <a:solidFill>
-                  <a:schemeClr val="tx1"/>
-                </a:solidFill>
-                <a:latin typeface="Times New Roman" panose="02020603050405020304" pitchFamily="18" charset="0"/>
-                <a:cs typeface="Times New Roman" panose="02020603050405020304" pitchFamily="18" charset="0"/>
-              </a:rPr>
-              <a:t>path</a:t>
+              <a:t>Bypass path</a:t>
             </a:r>
             <a:endParaRPr lang="zh-CN" altLang="en-US" sz="2800" b="1" dirty="0">
               <a:solidFill>
@@ -24537,14 +27609,14 @@
             <a:r>
               <a:rPr lang="en-US" altLang="zh-CN" sz="2400" b="1" dirty="0" smtClean="0">
                 <a:solidFill>
-                  <a:srgbClr val="FF0000"/>
+                  <a:srgbClr val="C00000"/>
                 </a:solidFill>
               </a:rPr>
               <a:t>VS</a:t>
             </a:r>
             <a:endParaRPr lang="en-US" altLang="zh-CN" sz="2400" b="1" dirty="0">
               <a:solidFill>
-                <a:srgbClr val="FF0000"/>
+                <a:srgbClr val="C00000"/>
               </a:solidFill>
             </a:endParaRPr>
           </a:p>
@@ -24891,9 +27963,196 @@
   <p:timing>
     <p:tnLst>
       <p:par>
-        <p:cTn id="1" dur="indefinite" restart="never" nodeType="tmRoot"/>
+        <p:cTn id="1" dur="indefinite" restart="never" nodeType="tmRoot">
+          <p:childTnLst>
+            <p:seq concurrent="1" nextAc="seek">
+              <p:cTn id="2" dur="indefinite" nodeType="mainSeq">
+                <p:childTnLst>
+                  <p:par>
+                    <p:cTn id="3" fill="hold">
+                      <p:stCondLst>
+                        <p:cond delay="indefinite"/>
+                      </p:stCondLst>
+                      <p:childTnLst>
+                        <p:par>
+                          <p:cTn id="4" fill="hold">
+                            <p:stCondLst>
+                              <p:cond delay="0"/>
+                            </p:stCondLst>
+                            <p:childTnLst>
+                              <p:par>
+                                <p:cTn id="5" presetID="10" presetClass="entr" presetSubtype="0" fill="hold" grpId="0" nodeType="clickEffect">
+                                  <p:stCondLst>
+                                    <p:cond delay="0"/>
+                                  </p:stCondLst>
+                                  <p:childTnLst>
+                                    <p:set>
+                                      <p:cBhvr>
+                                        <p:cTn id="6" dur="1" fill="hold">
+                                          <p:stCondLst>
+                                            <p:cond delay="0"/>
+                                          </p:stCondLst>
+                                        </p:cTn>
+                                        <p:tgtEl>
+                                          <p:spTgt spid="7"/>
+                                        </p:tgtEl>
+                                        <p:attrNameLst>
+                                          <p:attrName>style.visibility</p:attrName>
+                                        </p:attrNameLst>
+                                      </p:cBhvr>
+                                      <p:to>
+                                        <p:strVal val="visible"/>
+                                      </p:to>
+                                    </p:set>
+                                    <p:animEffect transition="in" filter="fade">
+                                      <p:cBhvr>
+                                        <p:cTn id="7" dur="500"/>
+                                        <p:tgtEl>
+                                          <p:spTgt spid="7"/>
+                                        </p:tgtEl>
+                                      </p:cBhvr>
+                                    </p:animEffect>
+                                  </p:childTnLst>
+                                </p:cTn>
+                              </p:par>
+                            </p:childTnLst>
+                          </p:cTn>
+                        </p:par>
+                      </p:childTnLst>
+                    </p:cTn>
+                  </p:par>
+                  <p:par>
+                    <p:cTn id="8" fill="hold">
+                      <p:stCondLst>
+                        <p:cond delay="indefinite"/>
+                      </p:stCondLst>
+                      <p:childTnLst>
+                        <p:par>
+                          <p:cTn id="9" fill="hold">
+                            <p:stCondLst>
+                              <p:cond delay="0"/>
+                            </p:stCondLst>
+                            <p:childTnLst>
+                              <p:par>
+                                <p:cTn id="10" presetID="10" presetClass="entr" presetSubtype="0" fill="hold" grpId="0" nodeType="clickEffect">
+                                  <p:stCondLst>
+                                    <p:cond delay="0"/>
+                                  </p:stCondLst>
+                                  <p:childTnLst>
+                                    <p:set>
+                                      <p:cBhvr>
+                                        <p:cTn id="11" dur="1" fill="hold">
+                                          <p:stCondLst>
+                                            <p:cond delay="0"/>
+                                          </p:stCondLst>
+                                        </p:cTn>
+                                        <p:tgtEl>
+                                          <p:spTgt spid="8"/>
+                                        </p:tgtEl>
+                                        <p:attrNameLst>
+                                          <p:attrName>style.visibility</p:attrName>
+                                        </p:attrNameLst>
+                                      </p:cBhvr>
+                                      <p:to>
+                                        <p:strVal val="visible"/>
+                                      </p:to>
+                                    </p:set>
+                                    <p:animEffect transition="in" filter="fade">
+                                      <p:cBhvr>
+                                        <p:cTn id="12" dur="500"/>
+                                        <p:tgtEl>
+                                          <p:spTgt spid="8"/>
+                                        </p:tgtEl>
+                                      </p:cBhvr>
+                                    </p:animEffect>
+                                  </p:childTnLst>
+                                </p:cTn>
+                              </p:par>
+                            </p:childTnLst>
+                          </p:cTn>
+                        </p:par>
+                      </p:childTnLst>
+                    </p:cTn>
+                  </p:par>
+                  <p:par>
+                    <p:cTn id="13" fill="hold">
+                      <p:stCondLst>
+                        <p:cond delay="indefinite"/>
+                      </p:stCondLst>
+                      <p:childTnLst>
+                        <p:par>
+                          <p:cTn id="14" fill="hold">
+                            <p:stCondLst>
+                              <p:cond delay="0"/>
+                            </p:stCondLst>
+                            <p:childTnLst>
+                              <p:par>
+                                <p:cTn id="15" presetID="10" presetClass="entr" presetSubtype="0" fill="hold" grpId="0" nodeType="clickEffect">
+                                  <p:stCondLst>
+                                    <p:cond delay="0"/>
+                                  </p:stCondLst>
+                                  <p:childTnLst>
+                                    <p:set>
+                                      <p:cBhvr>
+                                        <p:cTn id="16" dur="1" fill="hold">
+                                          <p:stCondLst>
+                                            <p:cond delay="0"/>
+                                          </p:stCondLst>
+                                        </p:cTn>
+                                        <p:tgtEl>
+                                          <p:spTgt spid="9"/>
+                                        </p:tgtEl>
+                                        <p:attrNameLst>
+                                          <p:attrName>style.visibility</p:attrName>
+                                        </p:attrNameLst>
+                                      </p:cBhvr>
+                                      <p:to>
+                                        <p:strVal val="visible"/>
+                                      </p:to>
+                                    </p:set>
+                                    <p:animEffect transition="in" filter="fade">
+                                      <p:cBhvr>
+                                        <p:cTn id="17" dur="500"/>
+                                        <p:tgtEl>
+                                          <p:spTgt spid="9"/>
+                                        </p:tgtEl>
+                                      </p:cBhvr>
+                                    </p:animEffect>
+                                  </p:childTnLst>
+                                </p:cTn>
+                              </p:par>
+                            </p:childTnLst>
+                          </p:cTn>
+                        </p:par>
+                      </p:childTnLst>
+                    </p:cTn>
+                  </p:par>
+                </p:childTnLst>
+              </p:cTn>
+              <p:prevCondLst>
+                <p:cond evt="onPrev" delay="0">
+                  <p:tgtEl>
+                    <p:sldTgt/>
+                  </p:tgtEl>
+                </p:cond>
+              </p:prevCondLst>
+              <p:nextCondLst>
+                <p:cond evt="onNext" delay="0">
+                  <p:tgtEl>
+                    <p:sldTgt/>
+                  </p:tgtEl>
+                </p:cond>
+              </p:nextCondLst>
+            </p:seq>
+          </p:childTnLst>
+        </p:cTn>
       </p:par>
     </p:tnLst>
+    <p:bldLst>
+      <p:bldP spid="7" grpId="0" animBg="1"/>
+      <p:bldP spid="8" grpId="0" animBg="1"/>
+      <p:bldP spid="9" grpId="0" animBg="1"/>
+    </p:bldLst>
   </p:timing>
 </p:sld>
 </file>
